--- a/Design.pptx
+++ b/Design.pptx
@@ -5,7 +5,7 @@
     <p:sldMasterId id="2147483660" r:id="rId1"/>
   </p:sldMasterIdLst>
   <p:notesMasterIdLst>
-    <p:notesMasterId r:id="rId27"/>
+    <p:notesMasterId r:id="rId29"/>
   </p:notesMasterIdLst>
   <p:sldIdLst>
     <p:sldId id="256" r:id="rId2"/>
@@ -32,7 +32,9 @@
     <p:sldId id="284" r:id="rId23"/>
     <p:sldId id="286" r:id="rId24"/>
     <p:sldId id="302" r:id="rId25"/>
-    <p:sldId id="285" r:id="rId26"/>
+    <p:sldId id="304" r:id="rId26"/>
+    <p:sldId id="303" r:id="rId27"/>
+    <p:sldId id="285" r:id="rId28"/>
   </p:sldIdLst>
   <p:sldSz cx="9144000" cy="6858000" type="screen4x3"/>
   <p:notesSz cx="6858000" cy="9144000"/>
@@ -232,7 +234,7 @@
           <a:p>
             <a:fld id="{ED92C02F-46E9-4319-AE92-CFF24FDD2824}" type="datetimeFigureOut">
               <a:rPr lang="en-GB" smtClean="0"/>
-              <a:t>19/02/2021</a:t>
+              <a:t>03/03/2021</a:t>
             </a:fld>
             <a:endParaRPr lang="en-GB" dirty="0"/>
           </a:p>
@@ -631,7 +633,7 @@
           <a:p>
             <a:fld id="{4CAA9714-E498-4BB1-946F-9B4AA3A4C648}" type="datetimeFigureOut">
               <a:rPr lang="en-GB" smtClean="0"/>
-              <a:t>19/02/2021</a:t>
+              <a:t>03/03/2021</a:t>
             </a:fld>
             <a:endParaRPr lang="en-GB" dirty="0"/>
           </a:p>
@@ -801,7 +803,7 @@
           <a:p>
             <a:fld id="{4CAA9714-E498-4BB1-946F-9B4AA3A4C648}" type="datetimeFigureOut">
               <a:rPr lang="en-GB" smtClean="0"/>
-              <a:t>19/02/2021</a:t>
+              <a:t>03/03/2021</a:t>
             </a:fld>
             <a:endParaRPr lang="en-GB" dirty="0"/>
           </a:p>
@@ -981,7 +983,7 @@
           <a:p>
             <a:fld id="{4CAA9714-E498-4BB1-946F-9B4AA3A4C648}" type="datetimeFigureOut">
               <a:rPr lang="en-GB" smtClean="0"/>
-              <a:t>19/02/2021</a:t>
+              <a:t>03/03/2021</a:t>
             </a:fld>
             <a:endParaRPr lang="en-GB" dirty="0"/>
           </a:p>
@@ -1151,7 +1153,7 @@
           <a:p>
             <a:fld id="{4CAA9714-E498-4BB1-946F-9B4AA3A4C648}" type="datetimeFigureOut">
               <a:rPr lang="en-GB" smtClean="0"/>
-              <a:t>19/02/2021</a:t>
+              <a:t>03/03/2021</a:t>
             </a:fld>
             <a:endParaRPr lang="en-GB" dirty="0"/>
           </a:p>
@@ -1395,7 +1397,7 @@
           <a:p>
             <a:fld id="{4CAA9714-E498-4BB1-946F-9B4AA3A4C648}" type="datetimeFigureOut">
               <a:rPr lang="en-GB" smtClean="0"/>
-              <a:t>19/02/2021</a:t>
+              <a:t>03/03/2021</a:t>
             </a:fld>
             <a:endParaRPr lang="en-GB" dirty="0"/>
           </a:p>
@@ -1627,7 +1629,7 @@
           <a:p>
             <a:fld id="{4CAA9714-E498-4BB1-946F-9B4AA3A4C648}" type="datetimeFigureOut">
               <a:rPr lang="en-GB" smtClean="0"/>
-              <a:t>19/02/2021</a:t>
+              <a:t>03/03/2021</a:t>
             </a:fld>
             <a:endParaRPr lang="en-GB" dirty="0"/>
           </a:p>
@@ -1994,7 +1996,7 @@
           <a:p>
             <a:fld id="{4CAA9714-E498-4BB1-946F-9B4AA3A4C648}" type="datetimeFigureOut">
               <a:rPr lang="en-GB" smtClean="0"/>
-              <a:t>19/02/2021</a:t>
+              <a:t>03/03/2021</a:t>
             </a:fld>
             <a:endParaRPr lang="en-GB" dirty="0"/>
           </a:p>
@@ -2112,7 +2114,7 @@
           <a:p>
             <a:fld id="{4CAA9714-E498-4BB1-946F-9B4AA3A4C648}" type="datetimeFigureOut">
               <a:rPr lang="en-GB" smtClean="0"/>
-              <a:t>19/02/2021</a:t>
+              <a:t>03/03/2021</a:t>
             </a:fld>
             <a:endParaRPr lang="en-GB" dirty="0"/>
           </a:p>
@@ -2207,7 +2209,7 @@
           <a:p>
             <a:fld id="{4CAA9714-E498-4BB1-946F-9B4AA3A4C648}" type="datetimeFigureOut">
               <a:rPr lang="en-GB" smtClean="0"/>
-              <a:t>19/02/2021</a:t>
+              <a:t>03/03/2021</a:t>
             </a:fld>
             <a:endParaRPr lang="en-GB" dirty="0"/>
           </a:p>
@@ -2484,7 +2486,7 @@
           <a:p>
             <a:fld id="{4CAA9714-E498-4BB1-946F-9B4AA3A4C648}" type="datetimeFigureOut">
               <a:rPr lang="en-GB" smtClean="0"/>
-              <a:t>19/02/2021</a:t>
+              <a:t>03/03/2021</a:t>
             </a:fld>
             <a:endParaRPr lang="en-GB" dirty="0"/>
           </a:p>
@@ -2740,7 +2742,7 @@
           <a:p>
             <a:fld id="{4CAA9714-E498-4BB1-946F-9B4AA3A4C648}" type="datetimeFigureOut">
               <a:rPr lang="en-GB" smtClean="0"/>
-              <a:t>19/02/2021</a:t>
+              <a:t>03/03/2021</a:t>
             </a:fld>
             <a:endParaRPr lang="en-GB" dirty="0"/>
           </a:p>
@@ -2953,7 +2955,7 @@
           <a:p>
             <a:fld id="{4CAA9714-E498-4BB1-946F-9B4AA3A4C648}" type="datetimeFigureOut">
               <a:rPr lang="en-GB" smtClean="0"/>
-              <a:t>19/02/2021</a:t>
+              <a:t>03/03/2021</a:t>
             </a:fld>
             <a:endParaRPr lang="en-GB" dirty="0"/>
           </a:p>
@@ -10282,6 +10284,180 @@
 </file>
 
 <file path=ppt/slides/slide25.xml><?xml version="1.0" encoding="utf-8"?>
+<p:sld xmlns:a="http://schemas.openxmlformats.org/drawingml/2006/main" xmlns:r="http://schemas.openxmlformats.org/officeDocument/2006/relationships" xmlns:p="http://schemas.openxmlformats.org/presentationml/2006/main">
+  <p:cSld>
+    <p:spTree>
+      <p:nvGrpSpPr>
+        <p:cNvPr id="1" name=""/>
+        <p:cNvGrpSpPr/>
+        <p:nvPr/>
+      </p:nvGrpSpPr>
+      <p:grpSpPr>
+        <a:xfrm>
+          <a:off x="0" y="0"/>
+          <a:ext cx="0" cy="0"/>
+          <a:chOff x="0" y="0"/>
+          <a:chExt cx="0" cy="0"/>
+        </a:xfrm>
+      </p:grpSpPr>
+      <p:sp>
+        <p:nvSpPr>
+          <p:cNvPr id="2" name="Title 1"/>
+          <p:cNvSpPr>
+            <a:spLocks noGrp="1"/>
+          </p:cNvSpPr>
+          <p:nvPr>
+            <p:ph type="title"/>
+          </p:nvPr>
+        </p:nvSpPr>
+        <p:spPr/>
+        <p:txBody>
+          <a:bodyPr/>
+          <a:lstStyle/>
+          <a:p>
+            <a:r>
+              <a:rPr lang="en-GB" dirty="0"/>
+              <a:t>Motivation</a:t>
+            </a:r>
+          </a:p>
+        </p:txBody>
+      </p:sp>
+      <p:sp>
+        <p:nvSpPr>
+          <p:cNvPr id="3" name="Content Placeholder 2"/>
+          <p:cNvSpPr>
+            <a:spLocks noGrp="1"/>
+          </p:cNvSpPr>
+          <p:nvPr>
+            <p:ph idx="1"/>
+          </p:nvPr>
+        </p:nvSpPr>
+        <p:spPr/>
+        <p:txBody>
+          <a:bodyPr/>
+          <a:lstStyle/>
+          <a:p>
+            <a:r>
+              <a:rPr lang="en-GB" dirty="0"/>
+              <a:t>We will omit the basic automatically implemented functions related to simple CRUD operations (</a:t>
+            </a:r>
+            <a:r>
+              <a:rPr lang="en-GB" dirty="0" err="1"/>
+              <a:t>findAll</a:t>
+            </a:r>
+            <a:r>
+              <a:rPr lang="en-GB" dirty="0"/>
+              <a:t>, </a:t>
+            </a:r>
+            <a:r>
+              <a:rPr lang="en-GB" dirty="0" err="1"/>
+              <a:t>findById</a:t>
+            </a:r>
+            <a:r>
+              <a:rPr lang="en-GB" dirty="0"/>
+              <a:t>…)</a:t>
+            </a:r>
+          </a:p>
+        </p:txBody>
+      </p:sp>
+    </p:spTree>
+    <p:extLst>
+      <p:ext uri="{BB962C8B-B14F-4D97-AF65-F5344CB8AC3E}">
+        <p14:creationId xmlns:p14="http://schemas.microsoft.com/office/powerpoint/2010/main" val="2230413276"/>
+      </p:ext>
+    </p:extLst>
+  </p:cSld>
+  <p:clrMapOvr>
+    <a:masterClrMapping/>
+  </p:clrMapOvr>
+</p:sld>
+</file>
+
+<file path=ppt/slides/slide26.xml><?xml version="1.0" encoding="utf-8"?>
+<p:sld xmlns:a="http://schemas.openxmlformats.org/drawingml/2006/main" xmlns:r="http://schemas.openxmlformats.org/officeDocument/2006/relationships" xmlns:p="http://schemas.openxmlformats.org/presentationml/2006/main">
+  <p:cSld>
+    <p:spTree>
+      <p:nvGrpSpPr>
+        <p:cNvPr id="1" name=""/>
+        <p:cNvGrpSpPr/>
+        <p:nvPr/>
+      </p:nvGrpSpPr>
+      <p:grpSpPr>
+        <a:xfrm>
+          <a:off x="0" y="0"/>
+          <a:ext cx="0" cy="0"/>
+          <a:chOff x="0" y="0"/>
+          <a:chExt cx="0" cy="0"/>
+        </a:xfrm>
+      </p:grpSpPr>
+      <p:sp>
+        <p:nvSpPr>
+          <p:cNvPr id="2" name="Titolo 1">
+            <a:extLst>
+              <a:ext uri="{FF2B5EF4-FFF2-40B4-BE49-F238E27FC236}">
+                <a16:creationId xmlns:a16="http://schemas.microsoft.com/office/drawing/2014/main" id="{3DBF792B-1096-4E44-813A-6081087DACFD}"/>
+              </a:ext>
+            </a:extLst>
+          </p:cNvPr>
+          <p:cNvSpPr>
+            <a:spLocks noGrp="1"/>
+          </p:cNvSpPr>
+          <p:nvPr>
+            <p:ph type="title"/>
+          </p:nvPr>
+        </p:nvSpPr>
+        <p:spPr/>
+        <p:txBody>
+          <a:bodyPr/>
+          <a:lstStyle/>
+          <a:p>
+            <a:r>
+              <a:rPr lang="en-US" dirty="0" err="1"/>
+              <a:t>AnswerRepository</a:t>
+            </a:r>
+            <a:endParaRPr lang="it-IT" dirty="0"/>
+          </a:p>
+        </p:txBody>
+      </p:sp>
+      <p:sp>
+        <p:nvSpPr>
+          <p:cNvPr id="3" name="Segnaposto contenuto 2">
+            <a:extLst>
+              <a:ext uri="{FF2B5EF4-FFF2-40B4-BE49-F238E27FC236}">
+                <a16:creationId xmlns:a16="http://schemas.microsoft.com/office/drawing/2014/main" id="{5653C4D0-4744-4D3A-9ADB-AC7E411E219D}"/>
+              </a:ext>
+            </a:extLst>
+          </p:cNvPr>
+          <p:cNvSpPr>
+            <a:spLocks noGrp="1"/>
+          </p:cNvSpPr>
+          <p:nvPr>
+            <p:ph idx="1"/>
+          </p:nvPr>
+        </p:nvSpPr>
+        <p:spPr/>
+        <p:txBody>
+          <a:bodyPr/>
+          <a:lstStyle/>
+          <a:p>
+            <a:endParaRPr lang="it-IT" dirty="0"/>
+          </a:p>
+        </p:txBody>
+      </p:sp>
+    </p:spTree>
+    <p:extLst>
+      <p:ext uri="{BB962C8B-B14F-4D97-AF65-F5344CB8AC3E}">
+        <p14:creationId xmlns:p14="http://schemas.microsoft.com/office/powerpoint/2010/main" val="2387446865"/>
+      </p:ext>
+    </p:extLst>
+  </p:cSld>
+  <p:clrMapOvr>
+    <a:masterClrMapping/>
+  </p:clrMapOvr>
+</p:sld>
+</file>
+
+<file path=ppt/slides/slide27.xml><?xml version="1.0" encoding="utf-8"?>
 <p:sld xmlns:a="http://schemas.openxmlformats.org/drawingml/2006/main" xmlns:r="http://schemas.openxmlformats.org/officeDocument/2006/relationships" xmlns:p="http://schemas.openxmlformats.org/presentationml/2006/main">
   <p:cSld>
     <p:spTree>

--- a/Design.pptx
+++ b/Design.pptx
@@ -5,7 +5,7 @@
     <p:sldMasterId id="2147483660" r:id="rId1"/>
   </p:sldMasterIdLst>
   <p:notesMasterIdLst>
-    <p:notesMasterId r:id="rId56"/>
+    <p:notesMasterId r:id="rId57"/>
   </p:notesMasterIdLst>
   <p:sldIdLst>
     <p:sldId id="256" r:id="rId2"/>
@@ -62,6 +62,7 @@
     <p:sldId id="329" r:id="rId53"/>
     <p:sldId id="330" r:id="rId54"/>
     <p:sldId id="328" r:id="rId55"/>
+    <p:sldId id="335" r:id="rId56"/>
   </p:sldIdLst>
   <p:sldSz cx="9144000" cy="6858000" type="screen4x3"/>
   <p:notesSz cx="6858000" cy="9144000"/>
@@ -261,7 +262,7 @@
           <a:p>
             <a:fld id="{ED92C02F-46E9-4319-AE92-CFF24FDD2824}" type="datetimeFigureOut">
               <a:rPr lang="en-GB" smtClean="0"/>
-              <a:t>27/04/2021</a:t>
+              <a:t>29/04/2021</a:t>
             </a:fld>
             <a:endParaRPr lang="en-GB" dirty="0"/>
           </a:p>
@@ -660,7 +661,7 @@
           <a:p>
             <a:fld id="{4CAA9714-E498-4BB1-946F-9B4AA3A4C648}" type="datetimeFigureOut">
               <a:rPr lang="en-GB" smtClean="0"/>
-              <a:t>27/04/2021</a:t>
+              <a:t>29/04/2021</a:t>
             </a:fld>
             <a:endParaRPr lang="en-GB" dirty="0"/>
           </a:p>
@@ -830,7 +831,7 @@
           <a:p>
             <a:fld id="{4CAA9714-E498-4BB1-946F-9B4AA3A4C648}" type="datetimeFigureOut">
               <a:rPr lang="en-GB" smtClean="0"/>
-              <a:t>27/04/2021</a:t>
+              <a:t>29/04/2021</a:t>
             </a:fld>
             <a:endParaRPr lang="en-GB" dirty="0"/>
           </a:p>
@@ -1010,7 +1011,7 @@
           <a:p>
             <a:fld id="{4CAA9714-E498-4BB1-946F-9B4AA3A4C648}" type="datetimeFigureOut">
               <a:rPr lang="en-GB" smtClean="0"/>
-              <a:t>27/04/2021</a:t>
+              <a:t>29/04/2021</a:t>
             </a:fld>
             <a:endParaRPr lang="en-GB" dirty="0"/>
           </a:p>
@@ -1180,7 +1181,7 @@
           <a:p>
             <a:fld id="{4CAA9714-E498-4BB1-946F-9B4AA3A4C648}" type="datetimeFigureOut">
               <a:rPr lang="en-GB" smtClean="0"/>
-              <a:t>27/04/2021</a:t>
+              <a:t>29/04/2021</a:t>
             </a:fld>
             <a:endParaRPr lang="en-GB" dirty="0"/>
           </a:p>
@@ -1424,7 +1425,7 @@
           <a:p>
             <a:fld id="{4CAA9714-E498-4BB1-946F-9B4AA3A4C648}" type="datetimeFigureOut">
               <a:rPr lang="en-GB" smtClean="0"/>
-              <a:t>27/04/2021</a:t>
+              <a:t>29/04/2021</a:t>
             </a:fld>
             <a:endParaRPr lang="en-GB" dirty="0"/>
           </a:p>
@@ -1656,7 +1657,7 @@
           <a:p>
             <a:fld id="{4CAA9714-E498-4BB1-946F-9B4AA3A4C648}" type="datetimeFigureOut">
               <a:rPr lang="en-GB" smtClean="0"/>
-              <a:t>27/04/2021</a:t>
+              <a:t>29/04/2021</a:t>
             </a:fld>
             <a:endParaRPr lang="en-GB" dirty="0"/>
           </a:p>
@@ -2023,7 +2024,7 @@
           <a:p>
             <a:fld id="{4CAA9714-E498-4BB1-946F-9B4AA3A4C648}" type="datetimeFigureOut">
               <a:rPr lang="en-GB" smtClean="0"/>
-              <a:t>27/04/2021</a:t>
+              <a:t>29/04/2021</a:t>
             </a:fld>
             <a:endParaRPr lang="en-GB" dirty="0"/>
           </a:p>
@@ -2141,7 +2142,7 @@
           <a:p>
             <a:fld id="{4CAA9714-E498-4BB1-946F-9B4AA3A4C648}" type="datetimeFigureOut">
               <a:rPr lang="en-GB" smtClean="0"/>
-              <a:t>27/04/2021</a:t>
+              <a:t>29/04/2021</a:t>
             </a:fld>
             <a:endParaRPr lang="en-GB" dirty="0"/>
           </a:p>
@@ -2236,7 +2237,7 @@
           <a:p>
             <a:fld id="{4CAA9714-E498-4BB1-946F-9B4AA3A4C648}" type="datetimeFigureOut">
               <a:rPr lang="en-GB" smtClean="0"/>
-              <a:t>27/04/2021</a:t>
+              <a:t>29/04/2021</a:t>
             </a:fld>
             <a:endParaRPr lang="en-GB" dirty="0"/>
           </a:p>
@@ -2513,7 +2514,7 @@
           <a:p>
             <a:fld id="{4CAA9714-E498-4BB1-946F-9B4AA3A4C648}" type="datetimeFigureOut">
               <a:rPr lang="en-GB" smtClean="0"/>
-              <a:t>27/04/2021</a:t>
+              <a:t>29/04/2021</a:t>
             </a:fld>
             <a:endParaRPr lang="en-GB" dirty="0"/>
           </a:p>
@@ -2769,7 +2770,7 @@
           <a:p>
             <a:fld id="{4CAA9714-E498-4BB1-946F-9B4AA3A4C648}" type="datetimeFigureOut">
               <a:rPr lang="en-GB" smtClean="0"/>
-              <a:t>27/04/2021</a:t>
+              <a:t>29/04/2021</a:t>
             </a:fld>
             <a:endParaRPr lang="en-GB" dirty="0"/>
           </a:p>
@@ -2982,7 +2983,7 @@
           <a:p>
             <a:fld id="{4CAA9714-E498-4BB1-946F-9B4AA3A4C648}" type="datetimeFigureOut">
               <a:rPr lang="en-GB" smtClean="0"/>
-              <a:t>27/04/2021</a:t>
+              <a:t>29/04/2021</a:t>
             </a:fld>
             <a:endParaRPr lang="en-GB" dirty="0"/>
           </a:p>
@@ -9206,10 +9207,10 @@
       </p:sp>
       <p:pic>
         <p:nvPicPr>
-          <p:cNvPr id="5" name="Immagine 4">
+          <p:cNvPr id="7" name="Immagine 6">
             <a:extLst>
               <a:ext uri="{FF2B5EF4-FFF2-40B4-BE49-F238E27FC236}">
-                <a16:creationId xmlns:a16="http://schemas.microsoft.com/office/drawing/2014/main" id="{666DE0F7-AFF7-44CF-A67C-D5ED8CE51C2B}"/>
+                <a16:creationId xmlns:a16="http://schemas.microsoft.com/office/drawing/2014/main" id="{2A29075B-E075-42CC-AACE-96481EF57432}"/>
               </a:ext>
             </a:extLst>
           </p:cNvPr>
@@ -9232,8 +9233,8 @@
         </p:blipFill>
         <p:spPr>
           <a:xfrm>
-            <a:off x="262890" y="1216241"/>
-            <a:ext cx="8618220" cy="5059554"/>
+            <a:off x="0" y="1216241"/>
+            <a:ext cx="9144000" cy="5368227"/>
           </a:xfrm>
           <a:prstGeom prst="rect">
             <a:avLst/>
@@ -12905,10 +12906,10 @@
       </p:sp>
       <p:pic>
         <p:nvPicPr>
-          <p:cNvPr id="4" name="Immagine 3" descr="Immagine che contiene tavolo&#10;&#10;Descrizione generata automaticamente">
+          <p:cNvPr id="5" name="Immagine 4" descr="Immagine che contiene tavolo&#10;&#10;Descrizione generata automaticamente">
             <a:extLst>
               <a:ext uri="{FF2B5EF4-FFF2-40B4-BE49-F238E27FC236}">
-                <a16:creationId xmlns:a16="http://schemas.microsoft.com/office/drawing/2014/main" id="{B7F42120-138E-40EC-8D06-F5374FB8931E}"/>
+                <a16:creationId xmlns:a16="http://schemas.microsoft.com/office/drawing/2014/main" id="{36701570-3442-4E91-A113-03D077AA2000}"/>
               </a:ext>
             </a:extLst>
           </p:cNvPr>
@@ -12931,8 +12932,8 @@
         </p:blipFill>
         <p:spPr>
           <a:xfrm>
-            <a:off x="1851669" y="1282099"/>
-            <a:ext cx="5440661" cy="5210774"/>
+            <a:off x="1735485" y="1059549"/>
+            <a:ext cx="5673029" cy="5433324"/>
           </a:xfrm>
           <a:prstGeom prst="rect">
             <a:avLst/>
@@ -14146,7 +14147,13 @@
       </p:sp>
       <p:pic>
         <p:nvPicPr>
-          <p:cNvPr id="4" name="Immagine 3"/>
+          <p:cNvPr id="6" name="Immagine 5">
+            <a:extLst>
+              <a:ext uri="{FF2B5EF4-FFF2-40B4-BE49-F238E27FC236}">
+                <a16:creationId xmlns:a16="http://schemas.microsoft.com/office/drawing/2014/main" id="{51F4B7DB-C55C-4DA8-9750-964D3D32DD93}"/>
+              </a:ext>
+            </a:extLst>
+          </p:cNvPr>
           <p:cNvPicPr>
             <a:picLocks noChangeAspect="1"/>
           </p:cNvPicPr>
@@ -14160,8 +14167,8 @@
         </p:blipFill>
         <p:spPr>
           <a:xfrm>
-            <a:off x="219075" y="3415506"/>
-            <a:ext cx="8705850" cy="1171575"/>
+            <a:off x="238125" y="3429000"/>
+            <a:ext cx="8667750" cy="1238250"/>
           </a:xfrm>
           <a:prstGeom prst="rect">
             <a:avLst/>
@@ -14260,7 +14267,13 @@
       </p:sp>
       <p:pic>
         <p:nvPicPr>
-          <p:cNvPr id="4" name="Immagine 3"/>
+          <p:cNvPr id="6" name="Immagine 5">
+            <a:extLst>
+              <a:ext uri="{FF2B5EF4-FFF2-40B4-BE49-F238E27FC236}">
+                <a16:creationId xmlns:a16="http://schemas.microsoft.com/office/drawing/2014/main" id="{1170ED2C-85A6-4BAA-9F1A-73A54E6265E2}"/>
+              </a:ext>
+            </a:extLst>
+          </p:cNvPr>
           <p:cNvPicPr>
             <a:picLocks noChangeAspect="1"/>
           </p:cNvPicPr>
@@ -14274,8 +14287,8 @@
         </p:blipFill>
         <p:spPr>
           <a:xfrm>
-            <a:off x="539285" y="2954337"/>
-            <a:ext cx="8065430" cy="1465263"/>
+            <a:off x="885825" y="2724944"/>
+            <a:ext cx="7372350" cy="2552700"/>
           </a:xfrm>
           <a:prstGeom prst="rect">
             <a:avLst/>
@@ -14368,10 +14381,10 @@
       </p:sp>
       <p:pic>
         <p:nvPicPr>
-          <p:cNvPr id="6" name="Immagine 5">
+          <p:cNvPr id="5" name="Immagine 4">
             <a:extLst>
               <a:ext uri="{FF2B5EF4-FFF2-40B4-BE49-F238E27FC236}">
-                <a16:creationId xmlns:a16="http://schemas.microsoft.com/office/drawing/2014/main" id="{DF36B698-9123-4991-BD33-1413236B769E}"/>
+                <a16:creationId xmlns:a16="http://schemas.microsoft.com/office/drawing/2014/main" id="{32520906-01D2-46AB-BC49-A43CE0085F67}"/>
               </a:ext>
             </a:extLst>
           </p:cNvPr>
@@ -14388,8 +14401,8 @@
         </p:blipFill>
         <p:spPr>
           <a:xfrm>
-            <a:off x="0" y="2805412"/>
-            <a:ext cx="9144000" cy="2192055"/>
+            <a:off x="314325" y="2601285"/>
+            <a:ext cx="8515350" cy="2016793"/>
           </a:xfrm>
           <a:prstGeom prst="rect">
             <a:avLst/>
@@ -14443,7 +14456,7 @@
           <a:p>
             <a:r>
               <a:rPr lang="it-IT" dirty="0"/>
-              <a:t>JPA Testing</a:t>
+              <a:t>Spring Data JPA Testing</a:t>
             </a:r>
           </a:p>
         </p:txBody>
@@ -21008,14 +21021,14 @@
           <p:nvPr>
             <p:extLst>
               <p:ext uri="{D42A27DB-BD31-4B8C-83A1-F6EECF244321}">
-                <p14:modId xmlns:p14="http://schemas.microsoft.com/office/powerpoint/2010/main" val="903573635"/>
+                <p14:modId xmlns:p14="http://schemas.microsoft.com/office/powerpoint/2010/main" val="411647598"/>
               </p:ext>
             </p:extLst>
           </p:nvPr>
         </p:nvGraphicFramePr>
         <p:xfrm>
-          <a:off x="628650" y="1501141"/>
-          <a:ext cx="7886699" cy="4411976"/>
+          <a:off x="628650" y="1409701"/>
+          <a:ext cx="7886699" cy="3723154"/>
         </p:xfrm>
         <a:graphic>
           <a:graphicData uri="http://schemas.openxmlformats.org/drawingml/2006/table">
@@ -21191,12 +21204,12 @@
                         </a:spcAft>
                       </a:pPr>
                       <a:r>
-                        <a:rPr lang="en-GB" sz="800">
+                        <a:rPr lang="en-GB" sz="800" dirty="0">
                           <a:effectLst/>
                         </a:rPr>
-                        <a:t>RETURN</a:t>
+                        <a:t>RETURN TYPE</a:t>
                       </a:r>
-                      <a:endParaRPr lang="it-IT" sz="1100">
+                      <a:endParaRPr lang="it-IT" sz="1100" dirty="0">
                         <a:effectLst/>
                         <a:latin typeface="Calibri" panose="020F0502020204030204" pitchFamily="34" charset="0"/>
                         <a:ea typeface="Calibri" panose="020F0502020204030204" pitchFamily="34" charset="0"/>
@@ -21309,12 +21322,12 @@
                         </a:spcAft>
                       </a:pPr>
                       <a:r>
-                        <a:rPr lang="en-GB" sz="800">
+                        <a:rPr lang="en-GB" sz="800" dirty="0">
                           <a:effectLst/>
                         </a:rPr>
-                        <a:t>send product</a:t>
+                        <a:t>add product</a:t>
                       </a:r>
-                      <a:endParaRPr lang="it-IT" sz="1100">
+                      <a:endParaRPr lang="it-IT" sz="1100" dirty="0">
                         <a:effectLst/>
                         <a:latin typeface="Calibri" panose="020F0502020204030204" pitchFamily="34" charset="0"/>
                         <a:ea typeface="Calibri" panose="020F0502020204030204" pitchFamily="34" charset="0"/>
@@ -21338,12 +21351,12 @@
                         </a:spcAft>
                       </a:pPr>
                       <a:r>
-                        <a:rPr lang="en-GB" sz="800">
+                        <a:rPr lang="en-GB" sz="800" dirty="0">
                           <a:effectLst/>
                         </a:rPr>
                         <a:t>/admin/products</a:t>
                       </a:r>
-                      <a:endParaRPr lang="it-IT" sz="1100">
+                      <a:endParaRPr lang="it-IT" sz="1100" dirty="0">
                         <a:effectLst/>
                         <a:latin typeface="Calibri" panose="020F0502020204030204" pitchFamily="34" charset="0"/>
                         <a:ea typeface="Calibri" panose="020F0502020204030204" pitchFamily="34" charset="0"/>
@@ -21396,12 +21409,12 @@
                         </a:spcAft>
                       </a:pPr>
                       <a:r>
-                        <a:rPr lang="en-GB" sz="800">
+                        <a:rPr lang="en-GB" sz="800" dirty="0">
                           <a:effectLst/>
                         </a:rPr>
                         <a:t>image, name</a:t>
                       </a:r>
-                      <a:endParaRPr lang="it-IT" sz="1100">
+                      <a:endParaRPr lang="it-IT" sz="1100" dirty="0">
                         <a:effectLst/>
                         <a:latin typeface="Calibri" panose="020F0502020204030204" pitchFamily="34" charset="0"/>
                         <a:ea typeface="Calibri" panose="020F0502020204030204" pitchFamily="34" charset="0"/>
@@ -21425,12 +21438,12 @@
                         </a:spcAft>
                       </a:pPr>
                       <a:r>
-                        <a:rPr lang="en-GB" sz="800">
+                        <a:rPr lang="en-GB" sz="800" dirty="0">
                           <a:effectLst/>
                         </a:rPr>
                         <a:t>void</a:t>
                       </a:r>
-                      <a:endParaRPr lang="it-IT" sz="1100">
+                      <a:endParaRPr lang="it-IT" sz="1100" dirty="0">
                         <a:effectLst/>
                         <a:latin typeface="Calibri" panose="020F0502020204030204" pitchFamily="34" charset="0"/>
                         <a:ea typeface="Calibri" panose="020F0502020204030204" pitchFamily="34" charset="0"/>
@@ -21490,12 +21503,12 @@
                         </a:spcAft>
                       </a:pPr>
                       <a:r>
-                        <a:rPr lang="en-GB" sz="800">
+                        <a:rPr lang="en-GB" sz="800" dirty="0">
                           <a:effectLst/>
                         </a:rPr>
                         <a:t>/admin/products</a:t>
                       </a:r>
-                      <a:endParaRPr lang="it-IT" sz="1100">
+                      <a:endParaRPr lang="it-IT" sz="1100" dirty="0">
                         <a:effectLst/>
                         <a:latin typeface="Calibri" panose="020F0502020204030204" pitchFamily="34" charset="0"/>
                         <a:ea typeface="Calibri" panose="020F0502020204030204" pitchFamily="34" charset="0"/>
@@ -21548,12 +21561,106 @@
                         </a:spcAft>
                       </a:pPr>
                       <a:r>
-                        <a:rPr lang="en-GB" sz="800">
+                        <a:rPr lang="en-GB" sz="800" dirty="0">
                           <a:effectLst/>
                         </a:rPr>
                         <a:t>-</a:t>
                       </a:r>
-                      <a:endParaRPr lang="it-IT" sz="1100">
+                      <a:endParaRPr lang="it-IT" sz="1100" dirty="0">
+                        <a:effectLst/>
+                        <a:latin typeface="Calibri" panose="020F0502020204030204" pitchFamily="34" charset="0"/>
+                        <a:ea typeface="Calibri" panose="020F0502020204030204" pitchFamily="34" charset="0"/>
+                        <a:cs typeface="Times New Roman" panose="02020603050405020304" pitchFamily="18" charset="0"/>
+                      </a:endParaRPr>
+                    </a:p>
+                  </a:txBody>
+                  <a:tcPr marL="68580" marR="68580" marT="0" marB="0"/>
+                </a:tc>
+                <a:tc>
+                  <a:txBody>
+                    <a:bodyPr/>
+                    <a:lstStyle/>
+                    <a:p>
+                      <a:pPr>
+                        <a:lnSpc>
+                          <a:spcPct val="107000"/>
+                        </a:lnSpc>
+                        <a:spcAft>
+                          <a:spcPts val="800"/>
+                        </a:spcAft>
+                      </a:pPr>
+                      <a:r>
+                        <a:rPr lang="en-GB" sz="800" dirty="0">
+                          <a:effectLst/>
+                        </a:rPr>
+                        <a:t>List [id, name, photo]</a:t>
+                      </a:r>
+                      <a:endParaRPr lang="it-IT" sz="1100" dirty="0">
+                        <a:effectLst/>
+                        <a:latin typeface="Calibri" panose="020F0502020204030204" pitchFamily="34" charset="0"/>
+                        <a:ea typeface="Calibri" panose="020F0502020204030204" pitchFamily="34" charset="0"/>
+                        <a:cs typeface="Times New Roman" panose="02020603050405020304" pitchFamily="18" charset="0"/>
+                      </a:endParaRPr>
+                    </a:p>
+                  </a:txBody>
+                  <a:tcPr marL="68580" marR="68580" marT="0" marB="0"/>
+                </a:tc>
+                <a:extLst>
+                  <a:ext uri="{0D108BD9-81ED-4DB2-BD59-A6C34878D82A}">
+                    <a16:rowId xmlns:a16="http://schemas.microsoft.com/office/drawing/2014/main" val="1904166569"/>
+                  </a:ext>
+                </a:extLst>
+              </a:tr>
+              <a:tr h="216175">
+                <a:tc>
+                  <a:txBody>
+                    <a:bodyPr/>
+                    <a:lstStyle/>
+                    <a:p>
+                      <a:pPr>
+                        <a:lnSpc>
+                          <a:spcPct val="107000"/>
+                        </a:lnSpc>
+                        <a:spcAft>
+                          <a:spcPts val="800"/>
+                        </a:spcAft>
+                      </a:pPr>
+                      <a:r>
+                        <a:rPr lang="en-GB" sz="800" dirty="0">
+                          <a:effectLst/>
+                        </a:rPr>
+                        <a:t>get product of the day</a:t>
+                      </a:r>
+                      <a:endParaRPr lang="it-IT" sz="1100" dirty="0">
+                        <a:effectLst/>
+                        <a:latin typeface="Calibri" panose="020F0502020204030204" pitchFamily="34" charset="0"/>
+                        <a:ea typeface="Calibri" panose="020F0502020204030204" pitchFamily="34" charset="0"/>
+                        <a:cs typeface="Times New Roman" panose="02020603050405020304" pitchFamily="18" charset="0"/>
+                      </a:endParaRPr>
+                    </a:p>
+                  </a:txBody>
+                  <a:tcPr marL="68580" marR="68580" marT="0" marB="0"/>
+                </a:tc>
+                <a:tc>
+                  <a:txBody>
+                    <a:bodyPr/>
+                    <a:lstStyle/>
+                    <a:p>
+                      <a:pPr>
+                        <a:lnSpc>
+                          <a:spcPct val="107000"/>
+                        </a:lnSpc>
+                        <a:spcAft>
+                          <a:spcPts val="800"/>
+                        </a:spcAft>
+                      </a:pPr>
+                      <a:r>
+                        <a:rPr lang="en-GB" sz="800" dirty="0">
+                          <a:effectLst/>
+                        </a:rPr>
+                        <a:t>/user/products</a:t>
+                      </a:r>
+                      <a:endParaRPr lang="it-IT" sz="1100" dirty="0">
                         <a:effectLst/>
                         <a:latin typeface="Calibri" panose="020F0502020204030204" pitchFamily="34" charset="0"/>
                         <a:ea typeface="Calibri" panose="020F0502020204030204" pitchFamily="34" charset="0"/>
@@ -21580,7 +21687,7 @@
                         <a:rPr lang="en-GB" sz="800">
                           <a:effectLst/>
                         </a:rPr>
-                        <a:t>List [id, name, photo]</a:t>
+                        <a:t>GET</a:t>
                       </a:r>
                       <a:endParaRPr lang="it-IT" sz="1100">
                         <a:effectLst/>
@@ -21592,9 +21699,67 @@
                   </a:txBody>
                   <a:tcPr marL="68580" marR="68580" marT="0" marB="0"/>
                 </a:tc>
+                <a:tc>
+                  <a:txBody>
+                    <a:bodyPr/>
+                    <a:lstStyle/>
+                    <a:p>
+                      <a:pPr>
+                        <a:lnSpc>
+                          <a:spcPct val="107000"/>
+                        </a:lnSpc>
+                        <a:spcAft>
+                          <a:spcPts val="800"/>
+                        </a:spcAft>
+                      </a:pPr>
+                      <a:r>
+                        <a:rPr lang="en-GB" sz="800" dirty="0">
+                          <a:effectLst/>
+                        </a:rPr>
+                        <a:t>-</a:t>
+                      </a:r>
+                      <a:endParaRPr lang="it-IT" sz="1100" dirty="0">
+                        <a:effectLst/>
+                        <a:latin typeface="Calibri" panose="020F0502020204030204" pitchFamily="34" charset="0"/>
+                        <a:ea typeface="Calibri" panose="020F0502020204030204" pitchFamily="34" charset="0"/>
+                        <a:cs typeface="Times New Roman" panose="02020603050405020304" pitchFamily="18" charset="0"/>
+                      </a:endParaRPr>
+                    </a:p>
+                  </a:txBody>
+                  <a:tcPr marL="68580" marR="68580" marT="0" marB="0"/>
+                </a:tc>
+                <a:tc>
+                  <a:txBody>
+                    <a:bodyPr/>
+                    <a:lstStyle/>
+                    <a:p>
+                      <a:pPr>
+                        <a:lnSpc>
+                          <a:spcPct val="107000"/>
+                        </a:lnSpc>
+                        <a:spcAft>
+                          <a:spcPts val="800"/>
+                        </a:spcAft>
+                      </a:pPr>
+                      <a:r>
+                        <a:rPr lang="en-GB" sz="800" dirty="0">
+                          <a:effectLst/>
+                        </a:rPr>
+                        <a:t>id, name, image, List [username, review]</a:t>
+                      </a:r>
+                      <a:endParaRPr lang="it-IT" sz="1100" dirty="0">
+                        <a:effectLst/>
+                        <a:latin typeface="Calibri" panose="020F0502020204030204" pitchFamily="34" charset="0"/>
+                        <a:ea typeface="Calibri" panose="020F0502020204030204" pitchFamily="34" charset="0"/>
+                        <a:cs typeface="Times New Roman" panose="02020603050405020304" pitchFamily="18" charset="0"/>
+                      </a:endParaRPr>
+                    </a:p>
+                  </a:txBody>
+                  <a:tcPr marL="68580" marR="68580" marT="0" marB="0"/>
+                </a:tc>
                 <a:extLst>
                   <a:ext uri="{0D108BD9-81ED-4DB2-BD59-A6C34878D82A}">
-                    <a16:rowId xmlns:a16="http://schemas.microsoft.com/office/drawing/2014/main" val="1904166569"/>
+                    <a16:rowId xmlns:a16="http://schemas.microsoft.com/office/drawing/2014/main" val="1040383591"/>
                   </a:ext>
                 </a:extLst>
               </a:tr>
@@ -21680,7 +21845,7 @@
                   </a:ext>
                 </a:extLst>
               </a:tr>
-              <a:tr h="601031">
+              <a:tr h="210114">
                 <a:tc>
                   <a:txBody>
                     <a:bodyPr/>
@@ -21695,12 +21860,12 @@
                         </a:spcAft>
                       </a:pPr>
                       <a:r>
-                        <a:rPr lang="en-GB" sz="800">
+                        <a:rPr lang="en-GB" sz="800" dirty="0">
                           <a:effectLst/>
                         </a:rPr>
-                        <a:t>get product of the day</a:t>
+                        <a:t>add review</a:t>
                       </a:r>
-                      <a:endParaRPr lang="it-IT" sz="1100">
+                      <a:endParaRPr lang="it-IT" sz="1100" dirty="0">
                         <a:effectLst/>
                         <a:latin typeface="Calibri" panose="020F0502020204030204" pitchFamily="34" charset="0"/>
                         <a:ea typeface="Calibri" panose="020F0502020204030204" pitchFamily="34" charset="0"/>
@@ -21724,12 +21889,12 @@
                         </a:spcAft>
                       </a:pPr>
                       <a:r>
-                        <a:rPr lang="en-GB" sz="800">
+                        <a:rPr lang="en-GB" sz="800" dirty="0">
                           <a:effectLst/>
                         </a:rPr>
-                        <a:t>/user/products</a:t>
+                        <a:t>/user/products/reviews</a:t>
                       </a:r>
-                      <a:endParaRPr lang="it-IT" sz="1100">
+                      <a:endParaRPr lang="it-IT" sz="1100" dirty="0">
                         <a:effectLst/>
                         <a:latin typeface="Calibri" panose="020F0502020204030204" pitchFamily="34" charset="0"/>
                         <a:ea typeface="Calibri" panose="020F0502020204030204" pitchFamily="34" charset="0"/>
@@ -21753,12 +21918,12 @@
                         </a:spcAft>
                       </a:pPr>
                       <a:r>
-                        <a:rPr lang="en-GB" sz="800">
+                        <a:rPr lang="en-GB" sz="800" dirty="0">
                           <a:effectLst/>
                         </a:rPr>
-                        <a:t>GET</a:t>
+                        <a:t>POST</a:t>
                       </a:r>
-                      <a:endParaRPr lang="it-IT" sz="1100">
+                      <a:endParaRPr lang="it-IT" sz="1100" dirty="0">
                         <a:effectLst/>
                         <a:latin typeface="Calibri" panose="020F0502020204030204" pitchFamily="34" charset="0"/>
                         <a:ea typeface="Calibri" panose="020F0502020204030204" pitchFamily="34" charset="0"/>
@@ -21782,12 +21947,18 @@
                         </a:spcAft>
                       </a:pPr>
                       <a:r>
-                        <a:rPr lang="en-GB" sz="800">
+                        <a:rPr lang="en-GB" sz="800" dirty="0" err="1">
                           <a:effectLst/>
                         </a:rPr>
-                        <a:t>-</a:t>
+                        <a:t>productId</a:t>
                       </a:r>
-                      <a:endParaRPr lang="it-IT" sz="1100">
+                      <a:r>
+                        <a:rPr lang="en-GB" sz="800" dirty="0">
+                          <a:effectLst/>
+                        </a:rPr>
+                        <a:t>, review</a:t>
+                      </a:r>
+                      <a:endParaRPr lang="it-IT" sz="1100" dirty="0">
                         <a:effectLst/>
                         <a:latin typeface="Calibri" panose="020F0502020204030204" pitchFamily="34" charset="0"/>
                         <a:ea typeface="Calibri" panose="020F0502020204030204" pitchFamily="34" charset="0"/>
@@ -21811,183 +21982,12 @@
                         </a:spcAft>
                       </a:pPr>
                       <a:r>
-                        <a:rPr lang="en-GB" sz="800">
-                          <a:effectLst/>
-                        </a:rPr>
-                        <a:t>id, name, image, </a:t>
-                      </a:r>
-                      <a:endParaRPr lang="it-IT" sz="1100">
-                        <a:effectLst/>
-                      </a:endParaRPr>
-                    </a:p>
-                    <a:p>
-                      <a:pPr>
-                        <a:lnSpc>
-                          <a:spcPct val="107000"/>
-                        </a:lnSpc>
-                        <a:spcAft>
-                          <a:spcPts val="800"/>
-                        </a:spcAft>
-                      </a:pPr>
-                      <a:r>
-                        <a:rPr lang="en-GB" sz="800">
-                          <a:effectLst/>
-                        </a:rPr>
-                        <a:t>List [username, review]</a:t>
-                      </a:r>
-                      <a:endParaRPr lang="it-IT" sz="1100">
-                        <a:effectLst/>
-                        <a:latin typeface="Calibri" panose="020F0502020204030204" pitchFamily="34" charset="0"/>
-                        <a:ea typeface="Calibri" panose="020F0502020204030204" pitchFamily="34" charset="0"/>
-                        <a:cs typeface="Times New Roman" panose="02020603050405020304" pitchFamily="18" charset="0"/>
-                      </a:endParaRPr>
-                    </a:p>
-                  </a:txBody>
-                  <a:tcPr marL="68580" marR="68580" marT="0" marB="0"/>
-                </a:tc>
-                <a:extLst>
-                  <a:ext uri="{0D108BD9-81ED-4DB2-BD59-A6C34878D82A}">
-                    <a16:rowId xmlns:a16="http://schemas.microsoft.com/office/drawing/2014/main" val="2470805626"/>
-                  </a:ext>
-                </a:extLst>
-              </a:tr>
-              <a:tr h="210114">
-                <a:tc>
-                  <a:txBody>
-                    <a:bodyPr/>
-                    <a:lstStyle/>
-                    <a:p>
-                      <a:pPr>
-                        <a:lnSpc>
-                          <a:spcPct val="107000"/>
-                        </a:lnSpc>
-                        <a:spcAft>
-                          <a:spcPts val="800"/>
-                        </a:spcAft>
-                      </a:pPr>
-                      <a:r>
-                        <a:rPr lang="en-GB" sz="800">
-                          <a:effectLst/>
-                        </a:rPr>
-                        <a:t>send review</a:t>
-                      </a:r>
-                      <a:endParaRPr lang="it-IT" sz="1100">
-                        <a:effectLst/>
-                        <a:latin typeface="Calibri" panose="020F0502020204030204" pitchFamily="34" charset="0"/>
-                        <a:ea typeface="Calibri" panose="020F0502020204030204" pitchFamily="34" charset="0"/>
-                        <a:cs typeface="Times New Roman" panose="02020603050405020304" pitchFamily="18" charset="0"/>
-                      </a:endParaRPr>
-                    </a:p>
-                  </a:txBody>
-                  <a:tcPr marL="68580" marR="68580" marT="0" marB="0"/>
-                </a:tc>
-                <a:tc>
-                  <a:txBody>
-                    <a:bodyPr/>
-                    <a:lstStyle/>
-                    <a:p>
-                      <a:pPr>
-                        <a:lnSpc>
-                          <a:spcPct val="107000"/>
-                        </a:lnSpc>
-                        <a:spcAft>
-                          <a:spcPts val="800"/>
-                        </a:spcAft>
-                      </a:pPr>
-                      <a:r>
-                        <a:rPr lang="en-GB" sz="800">
-                          <a:effectLst/>
-                        </a:rPr>
-                        <a:t>/user/products/reviews</a:t>
-                      </a:r>
-                      <a:endParaRPr lang="it-IT" sz="1100">
-                        <a:effectLst/>
-                        <a:latin typeface="Calibri" panose="020F0502020204030204" pitchFamily="34" charset="0"/>
-                        <a:ea typeface="Calibri" panose="020F0502020204030204" pitchFamily="34" charset="0"/>
-                        <a:cs typeface="Times New Roman" panose="02020603050405020304" pitchFamily="18" charset="0"/>
-                      </a:endParaRPr>
-                    </a:p>
-                  </a:txBody>
-                  <a:tcPr marL="68580" marR="68580" marT="0" marB="0"/>
-                </a:tc>
-                <a:tc>
-                  <a:txBody>
-                    <a:bodyPr/>
-                    <a:lstStyle/>
-                    <a:p>
-                      <a:pPr>
-                        <a:lnSpc>
-                          <a:spcPct val="107000"/>
-                        </a:lnSpc>
-                        <a:spcAft>
-                          <a:spcPts val="800"/>
-                        </a:spcAft>
-                      </a:pPr>
-                      <a:r>
-                        <a:rPr lang="en-GB" sz="800">
-                          <a:effectLst/>
-                        </a:rPr>
-                        <a:t>POST</a:t>
-                      </a:r>
-                      <a:endParaRPr lang="it-IT" sz="1100">
-                        <a:effectLst/>
-                        <a:latin typeface="Calibri" panose="020F0502020204030204" pitchFamily="34" charset="0"/>
-                        <a:ea typeface="Calibri" panose="020F0502020204030204" pitchFamily="34" charset="0"/>
-                        <a:cs typeface="Times New Roman" panose="02020603050405020304" pitchFamily="18" charset="0"/>
-                      </a:endParaRPr>
-                    </a:p>
-                  </a:txBody>
-                  <a:tcPr marL="68580" marR="68580" marT="0" marB="0"/>
-                </a:tc>
-                <a:tc>
-                  <a:txBody>
-                    <a:bodyPr/>
-                    <a:lstStyle/>
-                    <a:p>
-                      <a:pPr>
-                        <a:lnSpc>
-                          <a:spcPct val="107000"/>
-                        </a:lnSpc>
-                        <a:spcAft>
-                          <a:spcPts val="800"/>
-                        </a:spcAft>
-                      </a:pPr>
-                      <a:r>
-                        <a:rPr lang="en-GB" sz="800">
-                          <a:effectLst/>
-                        </a:rPr>
-                        <a:t>productId, review</a:t>
-                      </a:r>
-                      <a:endParaRPr lang="it-IT" sz="1100">
-                        <a:effectLst/>
-                        <a:latin typeface="Calibri" panose="020F0502020204030204" pitchFamily="34" charset="0"/>
-                        <a:ea typeface="Calibri" panose="020F0502020204030204" pitchFamily="34" charset="0"/>
-                        <a:cs typeface="Times New Roman" panose="02020603050405020304" pitchFamily="18" charset="0"/>
-                      </a:endParaRPr>
-                    </a:p>
-                  </a:txBody>
-                  <a:tcPr marL="68580" marR="68580" marT="0" marB="0"/>
-                </a:tc>
-                <a:tc>
-                  <a:txBody>
-                    <a:bodyPr/>
-                    <a:lstStyle/>
-                    <a:p>
-                      <a:pPr>
-                        <a:lnSpc>
-                          <a:spcPct val="107000"/>
-                        </a:lnSpc>
-                        <a:spcAft>
-                          <a:spcPts val="800"/>
-                        </a:spcAft>
-                      </a:pPr>
-                      <a:r>
-                        <a:rPr lang="en-GB" sz="800">
+                        <a:rPr lang="en-GB" sz="800" dirty="0">
                           <a:effectLst/>
                         </a:rPr>
                         <a:t>void</a:t>
                       </a:r>
-                      <a:endParaRPr lang="it-IT" sz="1100">
+                      <a:endParaRPr lang="it-IT" sz="1100" dirty="0">
                         <a:effectLst/>
                         <a:latin typeface="Calibri" panose="020F0502020204030204" pitchFamily="34" charset="0"/>
                         <a:ea typeface="Calibri" panose="020F0502020204030204" pitchFamily="34" charset="0"/>
@@ -22100,12 +22100,12 @@
                         </a:spcAft>
                       </a:pPr>
                       <a:r>
-                        <a:rPr lang="en-GB" sz="800">
+                        <a:rPr lang="en-GB" sz="800" dirty="0">
                           <a:effectLst/>
                         </a:rPr>
-                        <a:t>send questionnaire</a:t>
+                        <a:t>add questionnaire</a:t>
                       </a:r>
-                      <a:endParaRPr lang="it-IT" sz="1100">
+                      <a:endParaRPr lang="it-IT" sz="1100" dirty="0">
                         <a:effectLst/>
                         <a:latin typeface="Calibri" panose="020F0502020204030204" pitchFamily="34" charset="0"/>
                         <a:ea typeface="Calibri" panose="020F0502020204030204" pitchFamily="34" charset="0"/>
@@ -22129,12 +22129,12 @@
                         </a:spcAft>
                       </a:pPr>
                       <a:r>
-                        <a:rPr lang="en-GB" sz="800">
+                        <a:rPr lang="en-GB" sz="800" dirty="0">
                           <a:effectLst/>
                         </a:rPr>
                         <a:t>/admin/questionnaires</a:t>
                       </a:r>
-                      <a:endParaRPr lang="it-IT" sz="1100">
+                      <a:endParaRPr lang="it-IT" sz="1100" dirty="0">
                         <a:effectLst/>
                         <a:latin typeface="Calibri" panose="020F0502020204030204" pitchFamily="34" charset="0"/>
                         <a:ea typeface="Calibri" panose="020F0502020204030204" pitchFamily="34" charset="0"/>
@@ -22237,7 +22237,7 @@
                   </a:ext>
                 </a:extLst>
               </a:tr>
-              <a:tr h="210114">
+              <a:tr h="195829">
                 <a:tc>
                   <a:txBody>
                     <a:bodyPr/>
@@ -22281,12 +22281,12 @@
                         </a:spcAft>
                       </a:pPr>
                       <a:r>
-                        <a:rPr lang="en-GB" sz="800">
+                        <a:rPr lang="en-GB" sz="800" dirty="0">
                           <a:effectLst/>
                         </a:rPr>
                         <a:t>/admin/questionnaires/past</a:t>
                       </a:r>
-                      <a:endParaRPr lang="it-IT" sz="1100">
+                      <a:endParaRPr lang="it-IT" sz="1100" dirty="0">
                         <a:effectLst/>
                         <a:latin typeface="Calibri" panose="020F0502020204030204" pitchFamily="34" charset="0"/>
                         <a:ea typeface="Calibri" panose="020F0502020204030204" pitchFamily="34" charset="0"/>
@@ -22433,12 +22433,12 @@
                         </a:spcAft>
                       </a:pPr>
                       <a:r>
-                        <a:rPr lang="en-GB" sz="800">
+                        <a:rPr lang="en-GB" sz="800" dirty="0">
                           <a:effectLst/>
                         </a:rPr>
                         <a:t>/admin/questionnaires/future</a:t>
                       </a:r>
-                      <a:endParaRPr lang="it-IT" sz="1100">
+                      <a:endParaRPr lang="it-IT" sz="1100" dirty="0">
                         <a:effectLst/>
                         <a:latin typeface="Calibri" panose="020F0502020204030204" pitchFamily="34" charset="0"/>
                         <a:ea typeface="Calibri" panose="020F0502020204030204" pitchFamily="34" charset="0"/>
@@ -22693,7 +22693,7 @@
                   </a:ext>
                 </a:extLst>
               </a:tr>
-              <a:tr h="429859">
+              <a:tr h="311292">
                 <a:tc>
                   <a:txBody>
                     <a:bodyPr/>
@@ -22708,12 +22708,12 @@
                         </a:spcAft>
                       </a:pPr>
                       <a:r>
-                        <a:rPr lang="en-GB" sz="800">
+                        <a:rPr lang="en-GB" sz="800" dirty="0">
                           <a:effectLst/>
                         </a:rPr>
                         <a:t>get questionnaire of the day</a:t>
                       </a:r>
-                      <a:endParaRPr lang="it-IT" sz="1100">
+                      <a:endParaRPr lang="it-IT" sz="1100" dirty="0">
                         <a:effectLst/>
                         <a:latin typeface="Calibri" panose="020F0502020204030204" pitchFamily="34" charset="0"/>
                         <a:ea typeface="Calibri" panose="020F0502020204030204" pitchFamily="34" charset="0"/>
@@ -22737,12 +22737,12 @@
                         </a:spcAft>
                       </a:pPr>
                       <a:r>
-                        <a:rPr lang="en-GB" sz="800">
+                        <a:rPr lang="en-GB" sz="800" dirty="0">
                           <a:effectLst/>
                         </a:rPr>
                         <a:t>/user/questionnaires</a:t>
                       </a:r>
-                      <a:endParaRPr lang="it-IT" sz="1100">
+                      <a:endParaRPr lang="it-IT" sz="1100" dirty="0">
                         <a:effectLst/>
                         <a:latin typeface="Calibri" panose="020F0502020204030204" pitchFamily="34" charset="0"/>
                         <a:ea typeface="Calibri" panose="020F0502020204030204" pitchFamily="34" charset="0"/>
@@ -22845,7 +22845,7 @@
                   </a:ext>
                 </a:extLst>
               </a:tr>
-              <a:tr h="429859">
+              <a:tr h="210114">
                 <a:tc>
                   <a:txBody>
                     <a:bodyPr/>
@@ -22863,203 +22863,9 @@
                         <a:rPr lang="en-GB" sz="800" dirty="0">
                           <a:effectLst/>
                         </a:rPr>
-                        <a:t>get </a:t>
-                      </a:r>
-                      <a:r>
-                        <a:rPr lang="en-GB" sz="800" dirty="0" err="1">
-                          <a:effectLst/>
-                        </a:rPr>
-                        <a:t>leaderboard</a:t>
+                        <a:t>update questionnaire</a:t>
                       </a:r>
                       <a:endParaRPr lang="it-IT" sz="1100" dirty="0">
-                        <a:effectLst/>
-                        <a:latin typeface="Calibri" panose="020F0502020204030204" pitchFamily="34" charset="0"/>
-                        <a:ea typeface="Calibri" panose="020F0502020204030204" pitchFamily="34" charset="0"/>
-                        <a:cs typeface="Times New Roman" panose="02020603050405020304" pitchFamily="18" charset="0"/>
-                      </a:endParaRPr>
-                    </a:p>
-                  </a:txBody>
-                  <a:tcPr marL="68580" marR="68580" marT="0" marB="0"/>
-                </a:tc>
-                <a:tc>
-                  <a:txBody>
-                    <a:bodyPr/>
-                    <a:lstStyle/>
-                    <a:p>
-                      <a:pPr>
-                        <a:lnSpc>
-                          <a:spcPct val="107000"/>
-                        </a:lnSpc>
-                        <a:spcAft>
-                          <a:spcPts val="800"/>
-                        </a:spcAft>
-                      </a:pPr>
-                      <a:r>
-                        <a:rPr lang="en-GB" sz="800">
-                          <a:effectLst/>
-                        </a:rPr>
-                        <a:t>/user/questionnaires/leaderboard</a:t>
-                      </a:r>
-                      <a:endParaRPr lang="it-IT" sz="1100">
-                        <a:effectLst/>
-                        <a:latin typeface="Calibri" panose="020F0502020204030204" pitchFamily="34" charset="0"/>
-                        <a:ea typeface="Calibri" panose="020F0502020204030204" pitchFamily="34" charset="0"/>
-                        <a:cs typeface="Times New Roman" panose="02020603050405020304" pitchFamily="18" charset="0"/>
-                      </a:endParaRPr>
-                    </a:p>
-                  </a:txBody>
-                  <a:tcPr marL="68580" marR="68580" marT="0" marB="0"/>
-                </a:tc>
-                <a:tc>
-                  <a:txBody>
-                    <a:bodyPr/>
-                    <a:lstStyle/>
-                    <a:p>
-                      <a:pPr>
-                        <a:lnSpc>
-                          <a:spcPct val="107000"/>
-                        </a:lnSpc>
-                        <a:spcAft>
-                          <a:spcPts val="800"/>
-                        </a:spcAft>
-                      </a:pPr>
-                      <a:r>
-                        <a:rPr lang="en-GB" sz="800">
-                          <a:effectLst/>
-                        </a:rPr>
-                        <a:t>GET</a:t>
-                      </a:r>
-                      <a:endParaRPr lang="it-IT" sz="1100">
-                        <a:effectLst/>
-                        <a:latin typeface="Calibri" panose="020F0502020204030204" pitchFamily="34" charset="0"/>
-                        <a:ea typeface="Calibri" panose="020F0502020204030204" pitchFamily="34" charset="0"/>
-                        <a:cs typeface="Times New Roman" panose="02020603050405020304" pitchFamily="18" charset="0"/>
-                      </a:endParaRPr>
-                    </a:p>
-                  </a:txBody>
-                  <a:tcPr marL="68580" marR="68580" marT="0" marB="0"/>
-                </a:tc>
-                <a:tc>
-                  <a:txBody>
-                    <a:bodyPr/>
-                    <a:lstStyle/>
-                    <a:p>
-                      <a:pPr>
-                        <a:lnSpc>
-                          <a:spcPct val="107000"/>
-                        </a:lnSpc>
-                        <a:spcAft>
-                          <a:spcPts val="800"/>
-                        </a:spcAft>
-                      </a:pPr>
-                      <a:r>
-                        <a:rPr lang="en-GB" sz="800">
-                          <a:effectLst/>
-                        </a:rPr>
-                        <a:t>-</a:t>
-                      </a:r>
-                      <a:endParaRPr lang="it-IT" sz="1100">
-                        <a:effectLst/>
-                        <a:latin typeface="Calibri" panose="020F0502020204030204" pitchFamily="34" charset="0"/>
-                        <a:ea typeface="Calibri" panose="020F0502020204030204" pitchFamily="34" charset="0"/>
-                        <a:cs typeface="Times New Roman" panose="02020603050405020304" pitchFamily="18" charset="0"/>
-                      </a:endParaRPr>
-                    </a:p>
-                  </a:txBody>
-                  <a:tcPr marL="68580" marR="68580" marT="0" marB="0"/>
-                </a:tc>
-                <a:tc>
-                  <a:txBody>
-                    <a:bodyPr/>
-                    <a:lstStyle/>
-                    <a:p>
-                      <a:pPr>
-                        <a:lnSpc>
-                          <a:spcPct val="107000"/>
-                        </a:lnSpc>
-                        <a:spcAft>
-                          <a:spcPts val="800"/>
-                        </a:spcAft>
-                      </a:pPr>
-                      <a:r>
-                        <a:rPr lang="en-GB" sz="800" dirty="0">
-                          <a:effectLst/>
-                        </a:rPr>
-                        <a:t>List [</a:t>
-                      </a:r>
-                      <a:r>
-                        <a:rPr lang="en-GB" sz="800" dirty="0" err="1">
-                          <a:effectLst/>
-                        </a:rPr>
-                        <a:t>userId</a:t>
-                      </a:r>
-                      <a:r>
-                        <a:rPr lang="en-GB" sz="800" dirty="0">
-                          <a:effectLst/>
-                        </a:rPr>
-                        <a:t>, username, </a:t>
-                      </a:r>
-                      <a:r>
-                        <a:rPr lang="en-GB" sz="800" dirty="0" err="1">
-                          <a:effectLst/>
-                        </a:rPr>
-                        <a:t>dailyPoints</a:t>
-                      </a:r>
-                      <a:r>
-                        <a:rPr lang="en-GB" sz="800" dirty="0">
-                          <a:effectLst/>
-                        </a:rPr>
-                        <a:t>, </a:t>
-                      </a:r>
-                      <a:r>
-                        <a:rPr lang="en-GB" sz="800" dirty="0" err="1">
-                          <a:effectLst/>
-                        </a:rPr>
-                        <a:t>totalPoints</a:t>
-                      </a:r>
-                      <a:r>
-                        <a:rPr lang="en-GB" sz="800" dirty="0">
-                          <a:effectLst/>
-                        </a:rPr>
-                        <a:t>]</a:t>
-                      </a:r>
-                      <a:endParaRPr lang="it-IT" sz="1100" dirty="0">
-                        <a:effectLst/>
-                        <a:latin typeface="Calibri" panose="020F0502020204030204" pitchFamily="34" charset="0"/>
-                        <a:ea typeface="Calibri" panose="020F0502020204030204" pitchFamily="34" charset="0"/>
-                        <a:cs typeface="Times New Roman" panose="02020603050405020304" pitchFamily="18" charset="0"/>
-                      </a:endParaRPr>
-                    </a:p>
-                  </a:txBody>
-                  <a:tcPr marL="68580" marR="68580" marT="0" marB="0"/>
-                </a:tc>
-                <a:extLst>
-                  <a:ext uri="{0D108BD9-81ED-4DB2-BD59-A6C34878D82A}">
-                    <a16:rowId xmlns:a16="http://schemas.microsoft.com/office/drawing/2014/main" val="2492150195"/>
-                  </a:ext>
-                </a:extLst>
-              </a:tr>
-              <a:tr h="210114">
-                <a:tc>
-                  <a:txBody>
-                    <a:bodyPr/>
-                    <a:lstStyle/>
-                    <a:p>
-                      <a:pPr>
-                        <a:lnSpc>
-                          <a:spcPct val="107000"/>
-                        </a:lnSpc>
-                        <a:spcAft>
-                          <a:spcPts val="800"/>
-                        </a:spcAft>
-                      </a:pPr>
-                      <a:r>
-                        <a:rPr lang="en-GB" sz="800">
-                          <a:effectLst/>
-                        </a:rPr>
-                        <a:t>update questionnaire</a:t>
-                      </a:r>
-                      <a:endParaRPr lang="it-IT" sz="1100">
                         <a:effectLst/>
                         <a:latin typeface="Calibri" panose="020F0502020204030204" pitchFamily="34" charset="0"/>
                         <a:ea typeface="Calibri" panose="020F0502020204030204" pitchFamily="34" charset="0"/>
@@ -23170,12 +22976,12 @@
                         </a:spcAft>
                       </a:pPr>
                       <a:r>
-                        <a:rPr lang="en-GB" sz="800">
+                        <a:rPr lang="en-GB" sz="800" dirty="0">
                           <a:effectLst/>
                         </a:rPr>
                         <a:t>void</a:t>
                       </a:r>
-                      <a:endParaRPr lang="it-IT" sz="1100">
+                      <a:endParaRPr lang="it-IT" sz="1100" dirty="0">
                         <a:effectLst/>
                         <a:latin typeface="Calibri" panose="020F0502020204030204" pitchFamily="34" charset="0"/>
                         <a:ea typeface="Calibri" panose="020F0502020204030204" pitchFamily="34" charset="0"/>
@@ -23191,7 +22997,7 @@
                   </a:ext>
                 </a:extLst>
               </a:tr>
-              <a:tr h="429859">
+              <a:tr h="338740">
                 <a:tc>
                   <a:txBody>
                     <a:bodyPr/>
@@ -23343,6 +23149,158 @@
                   </a:ext>
                 </a:extLst>
               </a:tr>
+              <a:tr h="310896">
+                <a:tc>
+                  <a:txBody>
+                    <a:bodyPr/>
+                    <a:lstStyle/>
+                    <a:p>
+                      <a:pPr>
+                        <a:lnSpc>
+                          <a:spcPct val="107000"/>
+                        </a:lnSpc>
+                        <a:spcAft>
+                          <a:spcPts val="800"/>
+                        </a:spcAft>
+                      </a:pPr>
+                      <a:r>
+                        <a:rPr lang="en-GB" sz="800">
+                          <a:effectLst/>
+                        </a:rPr>
+                        <a:t>get questions of questionnaire</a:t>
+                      </a:r>
+                      <a:endParaRPr lang="it-IT" sz="1100">
+                        <a:effectLst/>
+                        <a:latin typeface="Calibri" panose="020F0502020204030204" pitchFamily="34" charset="0"/>
+                        <a:ea typeface="Calibri" panose="020F0502020204030204" pitchFamily="34" charset="0"/>
+                        <a:cs typeface="Times New Roman" panose="02020603050405020304" pitchFamily="18" charset="0"/>
+                      </a:endParaRPr>
+                    </a:p>
+                  </a:txBody>
+                  <a:tcPr marL="68580" marR="68580" marT="0" marB="0"/>
+                </a:tc>
+                <a:tc>
+                  <a:txBody>
+                    <a:bodyPr/>
+                    <a:lstStyle/>
+                    <a:p>
+                      <a:pPr>
+                        <a:lnSpc>
+                          <a:spcPct val="107000"/>
+                        </a:lnSpc>
+                        <a:spcAft>
+                          <a:spcPts val="800"/>
+                        </a:spcAft>
+                      </a:pPr>
+                      <a:r>
+                        <a:rPr lang="en-GB" sz="800" dirty="0">
+                          <a:effectLst/>
+                        </a:rPr>
+                        <a:t>/admin/questionnaires/{id}/questions</a:t>
+                      </a:r>
+                      <a:endParaRPr lang="it-IT" sz="1100" dirty="0">
+                        <a:effectLst/>
+                        <a:latin typeface="Calibri" panose="020F0502020204030204" pitchFamily="34" charset="0"/>
+                        <a:ea typeface="Calibri" panose="020F0502020204030204" pitchFamily="34" charset="0"/>
+                        <a:cs typeface="Times New Roman" panose="02020603050405020304" pitchFamily="18" charset="0"/>
+                      </a:endParaRPr>
+                    </a:p>
+                  </a:txBody>
+                  <a:tcPr marL="68580" marR="68580" marT="0" marB="0"/>
+                </a:tc>
+                <a:tc>
+                  <a:txBody>
+                    <a:bodyPr/>
+                    <a:lstStyle/>
+                    <a:p>
+                      <a:pPr>
+                        <a:lnSpc>
+                          <a:spcPct val="107000"/>
+                        </a:lnSpc>
+                        <a:spcAft>
+                          <a:spcPts val="800"/>
+                        </a:spcAft>
+                      </a:pPr>
+                      <a:r>
+                        <a:rPr lang="en-GB" sz="800">
+                          <a:effectLst/>
+                        </a:rPr>
+                        <a:t>GET</a:t>
+                      </a:r>
+                      <a:endParaRPr lang="it-IT" sz="1100">
+                        <a:effectLst/>
+                        <a:latin typeface="Calibri" panose="020F0502020204030204" pitchFamily="34" charset="0"/>
+                        <a:ea typeface="Calibri" panose="020F0502020204030204" pitchFamily="34" charset="0"/>
+                        <a:cs typeface="Times New Roman" panose="02020603050405020304" pitchFamily="18" charset="0"/>
+                      </a:endParaRPr>
+                    </a:p>
+                  </a:txBody>
+                  <a:tcPr marL="68580" marR="68580" marT="0" marB="0"/>
+                </a:tc>
+                <a:tc>
+                  <a:txBody>
+                    <a:bodyPr/>
+                    <a:lstStyle/>
+                    <a:p>
+                      <a:pPr>
+                        <a:lnSpc>
+                          <a:spcPct val="107000"/>
+                        </a:lnSpc>
+                        <a:spcAft>
+                          <a:spcPts val="800"/>
+                        </a:spcAft>
+                      </a:pPr>
+                      <a:r>
+                        <a:rPr lang="en-GB" sz="800">
+                          <a:effectLst/>
+                        </a:rPr>
+                        <a:t>-</a:t>
+                      </a:r>
+                      <a:endParaRPr lang="it-IT" sz="1100">
+                        <a:effectLst/>
+                        <a:latin typeface="Calibri" panose="020F0502020204030204" pitchFamily="34" charset="0"/>
+                        <a:ea typeface="Calibri" panose="020F0502020204030204" pitchFamily="34" charset="0"/>
+                        <a:cs typeface="Times New Roman" panose="02020603050405020304" pitchFamily="18" charset="0"/>
+                      </a:endParaRPr>
+                    </a:p>
+                  </a:txBody>
+                  <a:tcPr marL="68580" marR="68580" marT="0" marB="0"/>
+                </a:tc>
+                <a:tc>
+                  <a:txBody>
+                    <a:bodyPr/>
+                    <a:lstStyle/>
+                    <a:p>
+                      <a:pPr>
+                        <a:lnSpc>
+                          <a:spcPct val="107000"/>
+                        </a:lnSpc>
+                        <a:spcAft>
+                          <a:spcPts val="800"/>
+                        </a:spcAft>
+                      </a:pPr>
+                      <a:r>
+                        <a:rPr lang="en-GB" sz="800" dirty="0">
+                          <a:effectLst/>
+                        </a:rPr>
+                        <a:t>List[question(id, text)]</a:t>
+                      </a:r>
+                      <a:endParaRPr lang="it-IT" sz="1100" dirty="0">
+                        <a:effectLst/>
+                        <a:latin typeface="Calibri" panose="020F0502020204030204" pitchFamily="34" charset="0"/>
+                        <a:ea typeface="Calibri" panose="020F0502020204030204" pitchFamily="34" charset="0"/>
+                        <a:cs typeface="Times New Roman" panose="02020603050405020304" pitchFamily="18" charset="0"/>
+                      </a:endParaRPr>
+                    </a:p>
+                  </a:txBody>
+                  <a:tcPr marL="68580" marR="68580" marT="0" marB="0"/>
+                </a:tc>
+                <a:extLst>
+                  <a:ext uri="{0D108BD9-81ED-4DB2-BD59-A6C34878D82A}">
+                    <a16:rowId xmlns:a16="http://schemas.microsoft.com/office/drawing/2014/main" val="2120845546"/>
+                  </a:ext>
+                </a:extLst>
+              </a:tr>
             </a:tbl>
           </a:graphicData>
         </a:graphic>
@@ -23420,14 +23378,14 @@
           <p:nvPr>
             <p:extLst>
               <p:ext uri="{D42A27DB-BD31-4B8C-83A1-F6EECF244321}">
-                <p14:modId xmlns:p14="http://schemas.microsoft.com/office/powerpoint/2010/main" val="2765465078"/>
+                <p14:modId xmlns:p14="http://schemas.microsoft.com/office/powerpoint/2010/main" val="4160303629"/>
               </p:ext>
             </p:extLst>
           </p:nvPr>
         </p:nvGraphicFramePr>
         <p:xfrm>
-          <a:off x="628650" y="1600200"/>
-          <a:ext cx="7886699" cy="4151431"/>
+          <a:off x="628651" y="1508760"/>
+          <a:ext cx="7886699" cy="3404018"/>
         </p:xfrm>
         <a:graphic>
           <a:graphicData uri="http://schemas.openxmlformats.org/drawingml/2006/table">
@@ -23706,7 +23664,7 @@
                   </a:ext>
                 </a:extLst>
               </a:tr>
-              <a:tr h="673972">
+              <a:tr h="493646">
                 <a:tc>
                   <a:txBody>
                     <a:bodyPr/>
@@ -23721,12 +23679,12 @@
                         </a:spcAft>
                       </a:pPr>
                       <a:r>
-                        <a:rPr lang="en-GB" sz="800">
+                        <a:rPr lang="en-GB" sz="800" dirty="0">
                           <a:effectLst/>
                         </a:rPr>
-                        <a:t>send response</a:t>
+                        <a:t>submit response</a:t>
                       </a:r>
-                      <a:endParaRPr lang="it-IT" sz="1100">
+                      <a:endParaRPr lang="it-IT" sz="1100" dirty="0">
                         <a:effectLst/>
                         <a:latin typeface="Calibri" panose="020F0502020204030204" pitchFamily="34" charset="0"/>
                         <a:ea typeface="Calibri" panose="020F0502020204030204" pitchFamily="34" charset="0"/>
@@ -23750,12 +23708,12 @@
                         </a:spcAft>
                       </a:pPr>
                       <a:r>
-                        <a:rPr lang="en-GB" sz="800">
+                        <a:rPr lang="en-GB" sz="800" dirty="0">
                           <a:effectLst/>
                         </a:rPr>
                         <a:t>/user/responses</a:t>
                       </a:r>
-                      <a:endParaRPr lang="it-IT" sz="1100">
+                      <a:endParaRPr lang="it-IT" sz="1100" dirty="0">
                         <a:effectLst/>
                         <a:latin typeface="Calibri" panose="020F0502020204030204" pitchFamily="34" charset="0"/>
                         <a:ea typeface="Calibri" panose="020F0502020204030204" pitchFamily="34" charset="0"/>
@@ -23873,12 +23831,12 @@
                         </a:spcAft>
                       </a:pPr>
                       <a:r>
-                        <a:rPr lang="en-GB" sz="800">
+                        <a:rPr lang="en-GB" sz="800" dirty="0">
                           <a:effectLst/>
                         </a:rPr>
                         <a:t>get all responses for questionnaire</a:t>
                       </a:r>
-                      <a:endParaRPr lang="it-IT" sz="1100">
+                      <a:endParaRPr lang="it-IT" sz="1100" dirty="0">
                         <a:effectLst/>
                         <a:latin typeface="Calibri" panose="020F0502020204030204" pitchFamily="34" charset="0"/>
                         <a:ea typeface="Calibri" panose="020F0502020204030204" pitchFamily="34" charset="0"/>
@@ -23902,12 +23860,48 @@
                         </a:spcAft>
                       </a:pPr>
                       <a:r>
-                        <a:rPr lang="fr-FR" sz="800">
+                        <a:rPr lang="fr-FR" sz="800" dirty="0">
                           <a:effectLst/>
                         </a:rPr>
-                        <a:t>/admin/questionnaires/{id}/ users/{id}</a:t>
+                        <a:t>/admin/questionnaires/{</a:t>
                       </a:r>
-                      <a:endParaRPr lang="it-IT" sz="1100">
+                      <a:r>
+                        <a:rPr lang="fr-FR" sz="800" dirty="0" err="1">
+                          <a:effectLst/>
+                        </a:rPr>
+                        <a:t>questionnaireId</a:t>
+                      </a:r>
+                      <a:r>
+                        <a:rPr lang="fr-FR" sz="800" dirty="0">
+                          <a:effectLst/>
+                        </a:rPr>
+                        <a:t>}/ </a:t>
+                      </a:r>
+                      <a:r>
+                        <a:rPr lang="fr-FR" sz="800" dirty="0" err="1">
+                          <a:effectLst/>
+                        </a:rPr>
+                        <a:t>users</a:t>
+                      </a:r>
+                      <a:r>
+                        <a:rPr lang="fr-FR" sz="800" dirty="0">
+                          <a:effectLst/>
+                        </a:rPr>
+                        <a:t>/{</a:t>
+                      </a:r>
+                      <a:r>
+                        <a:rPr lang="fr-FR" sz="800" dirty="0" err="1">
+                          <a:effectLst/>
+                        </a:rPr>
+                        <a:t>userId</a:t>
+                      </a:r>
+                      <a:r>
+                        <a:rPr lang="fr-FR" sz="800" dirty="0">
+                          <a:effectLst/>
+                        </a:rPr>
+                        <a:t>}</a:t>
+                      </a:r>
+                      <a:endParaRPr lang="it-IT" sz="1100" dirty="0">
                         <a:effectLst/>
                         <a:latin typeface="Calibri" panose="020F0502020204030204" pitchFamily="34" charset="0"/>
                         <a:ea typeface="Calibri" panose="020F0502020204030204" pitchFamily="34" charset="0"/>
@@ -23989,12 +23983,24 @@
                         </a:spcAft>
                       </a:pPr>
                       <a:r>
-                        <a:rPr lang="en-GB" sz="800">
+                        <a:rPr lang="en-GB" sz="800" dirty="0">
                           <a:effectLst/>
                         </a:rPr>
-                        <a:t>age, gender, expertise, List[answer(questionid, text)]</a:t>
+                        <a:t>age, gender, expertise, List[answer(</a:t>
                       </a:r>
-                      <a:endParaRPr lang="it-IT" sz="1100">
+                      <a:r>
+                        <a:rPr lang="en-GB" sz="800" dirty="0" err="1">
+                          <a:effectLst/>
+                        </a:rPr>
+                        <a:t>questionid</a:t>
+                      </a:r>
+                      <a:r>
+                        <a:rPr lang="en-GB" sz="800" dirty="0">
+                          <a:effectLst/>
+                        </a:rPr>
+                        <a:t>, text)]</a:t>
+                      </a:r>
+                      <a:endParaRPr lang="it-IT" sz="1100" dirty="0">
                         <a:effectLst/>
                         <a:latin typeface="Calibri" panose="020F0502020204030204" pitchFamily="34" charset="0"/>
                         <a:ea typeface="Calibri" panose="020F0502020204030204" pitchFamily="34" charset="0"/>
@@ -24007,6 +24013,206 @@
                 <a:extLst>
                   <a:ext uri="{0D108BD9-81ED-4DB2-BD59-A6C34878D82A}">
                     <a16:rowId xmlns:a16="http://schemas.microsoft.com/office/drawing/2014/main" val="2821480992"/>
+                  </a:ext>
+                </a:extLst>
+              </a:tr>
+              <a:tr h="303823">
+                <a:tc>
+                  <a:txBody>
+                    <a:bodyPr/>
+                    <a:lstStyle/>
+                    <a:p>
+                      <a:pPr>
+                        <a:lnSpc>
+                          <a:spcPct val="107000"/>
+                        </a:lnSpc>
+                        <a:spcAft>
+                          <a:spcPts val="800"/>
+                        </a:spcAft>
+                      </a:pPr>
+                      <a:r>
+                        <a:rPr lang="en-GB" sz="800" dirty="0">
+                          <a:effectLst/>
+                        </a:rPr>
+                        <a:t>get </a:t>
+                      </a:r>
+                      <a:r>
+                        <a:rPr lang="en-GB" sz="800" dirty="0" err="1">
+                          <a:effectLst/>
+                        </a:rPr>
+                        <a:t>leaderboard</a:t>
+                      </a:r>
+                      <a:endParaRPr lang="it-IT" sz="1100" dirty="0">
+                        <a:effectLst/>
+                        <a:latin typeface="Calibri" panose="020F0502020204030204" pitchFamily="34" charset="0"/>
+                        <a:ea typeface="Calibri" panose="020F0502020204030204" pitchFamily="34" charset="0"/>
+                        <a:cs typeface="Times New Roman" panose="02020603050405020304" pitchFamily="18" charset="0"/>
+                      </a:endParaRPr>
+                    </a:p>
+                  </a:txBody>
+                  <a:tcPr marL="68580" marR="68580" marT="0" marB="0"/>
+                </a:tc>
+                <a:tc>
+                  <a:txBody>
+                    <a:bodyPr/>
+                    <a:lstStyle/>
+                    <a:p>
+                      <a:pPr>
+                        <a:lnSpc>
+                          <a:spcPct val="107000"/>
+                        </a:lnSpc>
+                        <a:spcAft>
+                          <a:spcPts val="800"/>
+                        </a:spcAft>
+                      </a:pPr>
+                      <a:r>
+                        <a:rPr lang="en-GB" sz="800" dirty="0">
+                          <a:effectLst/>
+                        </a:rPr>
+                        <a:t>/user/questionnaires/</a:t>
+                      </a:r>
+                      <a:r>
+                        <a:rPr lang="en-GB" sz="800" dirty="0" err="1">
+                          <a:effectLst/>
+                        </a:rPr>
+                        <a:t>leaderboard</a:t>
+                      </a:r>
+                      <a:endParaRPr lang="it-IT" sz="1100" dirty="0">
+                        <a:effectLst/>
+                        <a:latin typeface="Calibri" panose="020F0502020204030204" pitchFamily="34" charset="0"/>
+                        <a:ea typeface="Calibri" panose="020F0502020204030204" pitchFamily="34" charset="0"/>
+                        <a:cs typeface="Times New Roman" panose="02020603050405020304" pitchFamily="18" charset="0"/>
+                      </a:endParaRPr>
+                    </a:p>
+                  </a:txBody>
+                  <a:tcPr marL="68580" marR="68580" marT="0" marB="0"/>
+                </a:tc>
+                <a:tc>
+                  <a:txBody>
+                    <a:bodyPr/>
+                    <a:lstStyle/>
+                    <a:p>
+                      <a:pPr>
+                        <a:lnSpc>
+                          <a:spcPct val="107000"/>
+                        </a:lnSpc>
+                        <a:spcAft>
+                          <a:spcPts val="800"/>
+                        </a:spcAft>
+                      </a:pPr>
+                      <a:r>
+                        <a:rPr lang="en-GB" sz="800" dirty="0">
+                          <a:effectLst/>
+                        </a:rPr>
+                        <a:t>GET</a:t>
+                      </a:r>
+                      <a:endParaRPr lang="it-IT" sz="1100" dirty="0">
+                        <a:effectLst/>
+                        <a:latin typeface="Calibri" panose="020F0502020204030204" pitchFamily="34" charset="0"/>
+                        <a:ea typeface="Calibri" panose="020F0502020204030204" pitchFamily="34" charset="0"/>
+                        <a:cs typeface="Times New Roman" panose="02020603050405020304" pitchFamily="18" charset="0"/>
+                      </a:endParaRPr>
+                    </a:p>
+                  </a:txBody>
+                  <a:tcPr marL="68580" marR="68580" marT="0" marB="0"/>
+                </a:tc>
+                <a:tc>
+                  <a:txBody>
+                    <a:bodyPr/>
+                    <a:lstStyle/>
+                    <a:p>
+                      <a:pPr>
+                        <a:lnSpc>
+                          <a:spcPct val="107000"/>
+                        </a:lnSpc>
+                        <a:spcAft>
+                          <a:spcPts val="800"/>
+                        </a:spcAft>
+                      </a:pPr>
+                      <a:r>
+                        <a:rPr lang="en-GB" sz="800">
+                          <a:effectLst/>
+                        </a:rPr>
+                        <a:t>-</a:t>
+                      </a:r>
+                      <a:endParaRPr lang="it-IT" sz="1100">
+                        <a:effectLst/>
+                        <a:latin typeface="Calibri" panose="020F0502020204030204" pitchFamily="34" charset="0"/>
+                        <a:ea typeface="Calibri" panose="020F0502020204030204" pitchFamily="34" charset="0"/>
+                        <a:cs typeface="Times New Roman" panose="02020603050405020304" pitchFamily="18" charset="0"/>
+                      </a:endParaRPr>
+                    </a:p>
+                  </a:txBody>
+                  <a:tcPr marL="68580" marR="68580" marT="0" marB="0"/>
+                </a:tc>
+                <a:tc>
+                  <a:txBody>
+                    <a:bodyPr/>
+                    <a:lstStyle/>
+                    <a:p>
+                      <a:pPr>
+                        <a:lnSpc>
+                          <a:spcPct val="107000"/>
+                        </a:lnSpc>
+                        <a:spcAft>
+                          <a:spcPts val="800"/>
+                        </a:spcAft>
+                      </a:pPr>
+                      <a:r>
+                        <a:rPr lang="en-GB" sz="800" dirty="0">
+                          <a:effectLst/>
+                        </a:rPr>
+                        <a:t>List [</a:t>
+                      </a:r>
+                      <a:r>
+                        <a:rPr lang="en-GB" sz="800" dirty="0" err="1">
+                          <a:effectLst/>
+                        </a:rPr>
+                        <a:t>userId</a:t>
+                      </a:r>
+                      <a:r>
+                        <a:rPr lang="en-GB" sz="800" dirty="0">
+                          <a:effectLst/>
+                        </a:rPr>
+                        <a:t>, username, </a:t>
+                      </a:r>
+                      <a:r>
+                        <a:rPr lang="en-GB" sz="800" dirty="0" err="1">
+                          <a:effectLst/>
+                        </a:rPr>
+                        <a:t>dailyPoints</a:t>
+                      </a:r>
+                      <a:r>
+                        <a:rPr lang="en-GB" sz="800" dirty="0">
+                          <a:effectLst/>
+                        </a:rPr>
+                        <a:t>, </a:t>
+                      </a:r>
+                      <a:r>
+                        <a:rPr lang="en-GB" sz="800" dirty="0" err="1">
+                          <a:effectLst/>
+                        </a:rPr>
+                        <a:t>totalPoints</a:t>
+                      </a:r>
+                      <a:r>
+                        <a:rPr lang="en-GB" sz="800" dirty="0">
+                          <a:effectLst/>
+                        </a:rPr>
+                        <a:t>]</a:t>
+                      </a:r>
+                      <a:endParaRPr lang="it-IT" sz="1100" dirty="0">
+                        <a:effectLst/>
+                        <a:latin typeface="Calibri" panose="020F0502020204030204" pitchFamily="34" charset="0"/>
+                        <a:ea typeface="Calibri" panose="020F0502020204030204" pitchFamily="34" charset="0"/>
+                        <a:cs typeface="Times New Roman" panose="02020603050405020304" pitchFamily="18" charset="0"/>
+                      </a:endParaRPr>
+                    </a:p>
+                  </a:txBody>
+                  <a:tcPr marL="68580" marR="68580" marT="0" marB="0"/>
+                </a:tc>
+                <a:extLst>
+                  <a:ext uri="{0D108BD9-81ED-4DB2-BD59-A6C34878D82A}">
+                    <a16:rowId xmlns:a16="http://schemas.microsoft.com/office/drawing/2014/main" val="1557949288"/>
                   </a:ext>
                 </a:extLst>
               </a:tr>
@@ -24107,12 +24313,12 @@
                         </a:spcAft>
                       </a:pPr>
                       <a:r>
-                        <a:rPr lang="en-GB" sz="800">
+                        <a:rPr lang="en-GB" sz="800" dirty="0">
                           <a:effectLst/>
                         </a:rPr>
-                        <a:t>send question</a:t>
+                        <a:t>add question</a:t>
                       </a:r>
-                      <a:endParaRPr lang="it-IT" sz="1100">
+                      <a:endParaRPr lang="it-IT" sz="1100" dirty="0">
                         <a:effectLst/>
                         <a:latin typeface="Calibri" panose="020F0502020204030204" pitchFamily="34" charset="0"/>
                         <a:ea typeface="Calibri" panose="020F0502020204030204" pitchFamily="34" charset="0"/>
@@ -24259,12 +24465,12 @@
                         </a:spcAft>
                       </a:pPr>
                       <a:r>
-                        <a:rPr lang="en-GB" sz="800">
+                        <a:rPr lang="en-GB" sz="800" dirty="0">
                           <a:effectLst/>
                         </a:rPr>
-                        <a:t>get questions</a:t>
+                        <a:t>get all questions</a:t>
                       </a:r>
-                      <a:endParaRPr lang="it-IT" sz="1100">
+                      <a:endParaRPr lang="it-IT" sz="1100" dirty="0">
                         <a:effectLst/>
                         <a:latin typeface="Calibri" panose="020F0502020204030204" pitchFamily="34" charset="0"/>
                         <a:ea typeface="Calibri" panose="020F0502020204030204" pitchFamily="34" charset="0"/>
@@ -24317,12 +24523,12 @@
                         </a:spcAft>
                       </a:pPr>
                       <a:r>
-                        <a:rPr lang="en-GB" sz="800">
+                        <a:rPr lang="en-GB" sz="800" dirty="0">
                           <a:effectLst/>
                         </a:rPr>
                         <a:t>GET</a:t>
                       </a:r>
-                      <a:endParaRPr lang="it-IT" sz="1100">
+                      <a:endParaRPr lang="it-IT" sz="1100" dirty="0">
                         <a:effectLst/>
                         <a:latin typeface="Calibri" panose="020F0502020204030204" pitchFamily="34" charset="0"/>
                         <a:ea typeface="Calibri" panose="020F0502020204030204" pitchFamily="34" charset="0"/>
@@ -24393,158 +24599,6 @@
                 <a:extLst>
                   <a:ext uri="{0D108BD9-81ED-4DB2-BD59-A6C34878D82A}">
                     <a16:rowId xmlns:a16="http://schemas.microsoft.com/office/drawing/2014/main" val="169867386"/>
-                  </a:ext>
-                </a:extLst>
-              </a:tr>
-              <a:tr h="512572">
-                <a:tc>
-                  <a:txBody>
-                    <a:bodyPr/>
-                    <a:lstStyle/>
-                    <a:p>
-                      <a:pPr>
-                        <a:lnSpc>
-                          <a:spcPct val="107000"/>
-                        </a:lnSpc>
-                        <a:spcAft>
-                          <a:spcPts val="800"/>
-                        </a:spcAft>
-                      </a:pPr>
-                      <a:r>
-                        <a:rPr lang="en-GB" sz="800">
-                          <a:effectLst/>
-                        </a:rPr>
-                        <a:t>get questions of questionnaire</a:t>
-                      </a:r>
-                      <a:endParaRPr lang="it-IT" sz="1100">
-                        <a:effectLst/>
-                        <a:latin typeface="Calibri" panose="020F0502020204030204" pitchFamily="34" charset="0"/>
-                        <a:ea typeface="Calibri" panose="020F0502020204030204" pitchFamily="34" charset="0"/>
-                        <a:cs typeface="Times New Roman" panose="02020603050405020304" pitchFamily="18" charset="0"/>
-                      </a:endParaRPr>
-                    </a:p>
-                  </a:txBody>
-                  <a:tcPr marL="68580" marR="68580" marT="0" marB="0"/>
-                </a:tc>
-                <a:tc>
-                  <a:txBody>
-                    <a:bodyPr/>
-                    <a:lstStyle/>
-                    <a:p>
-                      <a:pPr>
-                        <a:lnSpc>
-                          <a:spcPct val="107000"/>
-                        </a:lnSpc>
-                        <a:spcAft>
-                          <a:spcPts val="800"/>
-                        </a:spcAft>
-                      </a:pPr>
-                      <a:r>
-                        <a:rPr lang="en-GB" sz="800">
-                          <a:effectLst/>
-                        </a:rPr>
-                        <a:t>/admin/questionnaires/{id}/questions</a:t>
-                      </a:r>
-                      <a:endParaRPr lang="it-IT" sz="1100">
-                        <a:effectLst/>
-                        <a:latin typeface="Calibri" panose="020F0502020204030204" pitchFamily="34" charset="0"/>
-                        <a:ea typeface="Calibri" panose="020F0502020204030204" pitchFamily="34" charset="0"/>
-                        <a:cs typeface="Times New Roman" panose="02020603050405020304" pitchFamily="18" charset="0"/>
-                      </a:endParaRPr>
-                    </a:p>
-                  </a:txBody>
-                  <a:tcPr marL="68580" marR="68580" marT="0" marB="0"/>
-                </a:tc>
-                <a:tc>
-                  <a:txBody>
-                    <a:bodyPr/>
-                    <a:lstStyle/>
-                    <a:p>
-                      <a:pPr>
-                        <a:lnSpc>
-                          <a:spcPct val="107000"/>
-                        </a:lnSpc>
-                        <a:spcAft>
-                          <a:spcPts val="800"/>
-                        </a:spcAft>
-                      </a:pPr>
-                      <a:r>
-                        <a:rPr lang="en-GB" sz="800">
-                          <a:effectLst/>
-                        </a:rPr>
-                        <a:t>GET</a:t>
-                      </a:r>
-                      <a:endParaRPr lang="it-IT" sz="1100">
-                        <a:effectLst/>
-                        <a:latin typeface="Calibri" panose="020F0502020204030204" pitchFamily="34" charset="0"/>
-                        <a:ea typeface="Calibri" panose="020F0502020204030204" pitchFamily="34" charset="0"/>
-                        <a:cs typeface="Times New Roman" panose="02020603050405020304" pitchFamily="18" charset="0"/>
-                      </a:endParaRPr>
-                    </a:p>
-                  </a:txBody>
-                  <a:tcPr marL="68580" marR="68580" marT="0" marB="0"/>
-                </a:tc>
-                <a:tc>
-                  <a:txBody>
-                    <a:bodyPr/>
-                    <a:lstStyle/>
-                    <a:p>
-                      <a:pPr>
-                        <a:lnSpc>
-                          <a:spcPct val="107000"/>
-                        </a:lnSpc>
-                        <a:spcAft>
-                          <a:spcPts val="800"/>
-                        </a:spcAft>
-                      </a:pPr>
-                      <a:r>
-                        <a:rPr lang="en-GB" sz="800">
-                          <a:effectLst/>
-                        </a:rPr>
-                        <a:t>-</a:t>
-                      </a:r>
-                      <a:endParaRPr lang="it-IT" sz="1100">
-                        <a:effectLst/>
-                        <a:latin typeface="Calibri" panose="020F0502020204030204" pitchFamily="34" charset="0"/>
-                        <a:ea typeface="Calibri" panose="020F0502020204030204" pitchFamily="34" charset="0"/>
-                        <a:cs typeface="Times New Roman" panose="02020603050405020304" pitchFamily="18" charset="0"/>
-                      </a:endParaRPr>
-                    </a:p>
-                  </a:txBody>
-                  <a:tcPr marL="68580" marR="68580" marT="0" marB="0"/>
-                </a:tc>
-                <a:tc>
-                  <a:txBody>
-                    <a:bodyPr/>
-                    <a:lstStyle/>
-                    <a:p>
-                      <a:pPr>
-                        <a:lnSpc>
-                          <a:spcPct val="107000"/>
-                        </a:lnSpc>
-                        <a:spcAft>
-                          <a:spcPts val="800"/>
-                        </a:spcAft>
-                      </a:pPr>
-                      <a:r>
-                        <a:rPr lang="en-GB" sz="800">
-                          <a:effectLst/>
-                        </a:rPr>
-                        <a:t>List[question(id, text)]</a:t>
-                      </a:r>
-                      <a:endParaRPr lang="it-IT" sz="1100">
-                        <a:effectLst/>
-                        <a:latin typeface="Calibri" panose="020F0502020204030204" pitchFamily="34" charset="0"/>
-                        <a:ea typeface="Calibri" panose="020F0502020204030204" pitchFamily="34" charset="0"/>
-                        <a:cs typeface="Times New Roman" panose="02020603050405020304" pitchFamily="18" charset="0"/>
-                      </a:endParaRPr>
-                    </a:p>
-                  </a:txBody>
-                  <a:tcPr marL="68580" marR="68580" marT="0" marB="0"/>
-                </a:tc>
-                <a:extLst>
-                  <a:ext uri="{0D108BD9-81ED-4DB2-BD59-A6C34878D82A}">
-                    <a16:rowId xmlns:a16="http://schemas.microsoft.com/office/drawing/2014/main" val="1874773195"/>
                   </a:ext>
                 </a:extLst>
               </a:tr>
@@ -24630,7 +24684,235 @@
                   </a:ext>
                 </a:extLst>
               </a:tr>
-              <a:tr h="623579">
+              <a:tr h="267626">
+                <a:tc gridSpan="5">
+                  <a:txBody>
+                    <a:bodyPr/>
+                    <a:lstStyle/>
+                    <a:p>
+                      <a:pPr algn="ctr">
+                        <a:lnSpc>
+                          <a:spcPct val="107000"/>
+                        </a:lnSpc>
+                        <a:spcAft>
+                          <a:spcPts val="800"/>
+                        </a:spcAft>
+                      </a:pPr>
+                      <a:r>
+                        <a:rPr lang="it-IT" sz="1100" dirty="0">
+                          <a:solidFill>
+                            <a:schemeClr val="tx1"/>
+                          </a:solidFill>
+                          <a:effectLst/>
+                          <a:latin typeface="Calibri" panose="020F0502020204030204" pitchFamily="34" charset="0"/>
+                          <a:ea typeface="Calibri" panose="020F0502020204030204" pitchFamily="34" charset="0"/>
+                          <a:cs typeface="Times New Roman" panose="02020603050405020304" pitchFamily="18" charset="0"/>
+                        </a:rPr>
+                        <a:t>Authentication </a:t>
+                      </a:r>
+                      <a:r>
+                        <a:rPr lang="it-IT" sz="1100" dirty="0" err="1">
+                          <a:solidFill>
+                            <a:schemeClr val="tx1"/>
+                          </a:solidFill>
+                          <a:effectLst/>
+                          <a:latin typeface="Calibri" panose="020F0502020204030204" pitchFamily="34" charset="0"/>
+                          <a:ea typeface="Calibri" panose="020F0502020204030204" pitchFamily="34" charset="0"/>
+                          <a:cs typeface="Times New Roman" panose="02020603050405020304" pitchFamily="18" charset="0"/>
+                        </a:rPr>
+                        <a:t>methods</a:t>
+                      </a:r>
+                      <a:r>
+                        <a:rPr lang="it-IT" sz="1100" dirty="0">
+                          <a:solidFill>
+                            <a:schemeClr val="tx1"/>
+                          </a:solidFill>
+                          <a:effectLst/>
+                          <a:latin typeface="Calibri" panose="020F0502020204030204" pitchFamily="34" charset="0"/>
+                          <a:ea typeface="Calibri" panose="020F0502020204030204" pitchFamily="34" charset="0"/>
+                          <a:cs typeface="Times New Roman" panose="02020603050405020304" pitchFamily="18" charset="0"/>
+                        </a:rPr>
+                        <a:t> are </a:t>
+                      </a:r>
+                      <a:r>
+                        <a:rPr lang="it-IT" sz="1100" dirty="0" err="1">
+                          <a:solidFill>
+                            <a:schemeClr val="tx1"/>
+                          </a:solidFill>
+                          <a:effectLst/>
+                          <a:latin typeface="Calibri" panose="020F0502020204030204" pitchFamily="34" charset="0"/>
+                          <a:ea typeface="Calibri" panose="020F0502020204030204" pitchFamily="34" charset="0"/>
+                          <a:cs typeface="Times New Roman" panose="02020603050405020304" pitchFamily="18" charset="0"/>
+                        </a:rPr>
+                        <a:t>omitted</a:t>
+                      </a:r>
+                      <a:r>
+                        <a:rPr lang="it-IT" sz="1100" dirty="0">
+                          <a:solidFill>
+                            <a:schemeClr val="tx1"/>
+                          </a:solidFill>
+                          <a:effectLst/>
+                          <a:latin typeface="Calibri" panose="020F0502020204030204" pitchFamily="34" charset="0"/>
+                          <a:ea typeface="Calibri" panose="020F0502020204030204" pitchFamily="34" charset="0"/>
+                          <a:cs typeface="Times New Roman" panose="02020603050405020304" pitchFamily="18" charset="0"/>
+                        </a:rPr>
+                        <a:t> from </a:t>
+                      </a:r>
+                      <a:r>
+                        <a:rPr lang="it-IT" sz="1100" dirty="0" err="1">
+                          <a:solidFill>
+                            <a:schemeClr val="tx1"/>
+                          </a:solidFill>
+                          <a:effectLst/>
+                          <a:latin typeface="Calibri" panose="020F0502020204030204" pitchFamily="34" charset="0"/>
+                          <a:ea typeface="Calibri" panose="020F0502020204030204" pitchFamily="34" charset="0"/>
+                          <a:cs typeface="Times New Roman" panose="02020603050405020304" pitchFamily="18" charset="0"/>
+                        </a:rPr>
+                        <a:t>this</a:t>
+                      </a:r>
+                      <a:r>
+                        <a:rPr lang="it-IT" sz="1100" dirty="0">
+                          <a:solidFill>
+                            <a:schemeClr val="tx1"/>
+                          </a:solidFill>
+                          <a:effectLst/>
+                          <a:latin typeface="Calibri" panose="020F0502020204030204" pitchFamily="34" charset="0"/>
+                          <a:ea typeface="Calibri" panose="020F0502020204030204" pitchFamily="34" charset="0"/>
+                          <a:cs typeface="Times New Roman" panose="02020603050405020304" pitchFamily="18" charset="0"/>
+                        </a:rPr>
+                        <a:t> </a:t>
+                      </a:r>
+                      <a:r>
+                        <a:rPr lang="it-IT" sz="1100" dirty="0" err="1">
+                          <a:solidFill>
+                            <a:schemeClr val="tx1"/>
+                          </a:solidFill>
+                          <a:effectLst/>
+                          <a:latin typeface="Calibri" panose="020F0502020204030204" pitchFamily="34" charset="0"/>
+                          <a:ea typeface="Calibri" panose="020F0502020204030204" pitchFamily="34" charset="0"/>
+                          <a:cs typeface="Times New Roman" panose="02020603050405020304" pitchFamily="18" charset="0"/>
+                        </a:rPr>
+                        <a:t>table</a:t>
+                      </a:r>
+                      <a:endParaRPr lang="it-IT" sz="1100" dirty="0">
+                        <a:solidFill>
+                          <a:schemeClr val="tx1"/>
+                        </a:solidFill>
+                        <a:effectLst/>
+                        <a:latin typeface="Calibri" panose="020F0502020204030204" pitchFamily="34" charset="0"/>
+                        <a:ea typeface="Calibri" panose="020F0502020204030204" pitchFamily="34" charset="0"/>
+                        <a:cs typeface="Times New Roman" panose="02020603050405020304" pitchFamily="18" charset="0"/>
+                      </a:endParaRPr>
+                    </a:p>
+                  </a:txBody>
+                  <a:tcPr marL="68580" marR="68580" marT="0" marB="0">
+                    <a:solidFill>
+                      <a:schemeClr val="accent5">
+                        <a:lumMod val="40000"/>
+                        <a:lumOff val="60000"/>
+                      </a:schemeClr>
+                    </a:solidFill>
+                  </a:tcPr>
+                </a:tc>
+                <a:tc hMerge="1">
+                  <a:txBody>
+                    <a:bodyPr/>
+                    <a:lstStyle/>
+                    <a:p>
+                      <a:pPr>
+                        <a:lnSpc>
+                          <a:spcPct val="107000"/>
+                        </a:lnSpc>
+                        <a:spcAft>
+                          <a:spcPts val="800"/>
+                        </a:spcAft>
+                      </a:pPr>
+                      <a:endParaRPr lang="it-IT" sz="1100" dirty="0">
+                        <a:effectLst/>
+                        <a:latin typeface="Calibri" panose="020F0502020204030204" pitchFamily="34" charset="0"/>
+                        <a:ea typeface="Calibri" panose="020F0502020204030204" pitchFamily="34" charset="0"/>
+                        <a:cs typeface="Times New Roman" panose="02020603050405020304" pitchFamily="18" charset="0"/>
+                      </a:endParaRPr>
+                    </a:p>
+                  </a:txBody>
+                  <a:tcPr marL="68580" marR="68580" marT="0" marB="0"/>
+                </a:tc>
+                <a:tc hMerge="1">
+                  <a:txBody>
+                    <a:bodyPr/>
+                    <a:lstStyle/>
+                    <a:p>
+                      <a:pPr>
+                        <a:lnSpc>
+                          <a:spcPct val="107000"/>
+                        </a:lnSpc>
+                        <a:spcAft>
+                          <a:spcPts val="800"/>
+                        </a:spcAft>
+                      </a:pPr>
+                      <a:endParaRPr lang="it-IT" sz="1100" dirty="0">
+                        <a:effectLst/>
+                        <a:latin typeface="Calibri" panose="020F0502020204030204" pitchFamily="34" charset="0"/>
+                        <a:ea typeface="Calibri" panose="020F0502020204030204" pitchFamily="34" charset="0"/>
+                        <a:cs typeface="Times New Roman" panose="02020603050405020304" pitchFamily="18" charset="0"/>
+                      </a:endParaRPr>
+                    </a:p>
+                  </a:txBody>
+                  <a:tcPr marL="68580" marR="68580" marT="0" marB="0"/>
+                </a:tc>
+                <a:tc hMerge="1">
+                  <a:txBody>
+                    <a:bodyPr/>
+                    <a:lstStyle/>
+                    <a:p>
+                      <a:pPr>
+                        <a:lnSpc>
+                          <a:spcPct val="107000"/>
+                        </a:lnSpc>
+                        <a:spcAft>
+                          <a:spcPts val="800"/>
+                        </a:spcAft>
+                      </a:pPr>
+                      <a:endParaRPr lang="it-IT" sz="1100" dirty="0">
+                        <a:effectLst/>
+                        <a:latin typeface="Calibri" panose="020F0502020204030204" pitchFamily="34" charset="0"/>
+                        <a:ea typeface="Calibri" panose="020F0502020204030204" pitchFamily="34" charset="0"/>
+                        <a:cs typeface="Times New Roman" panose="02020603050405020304" pitchFamily="18" charset="0"/>
+                      </a:endParaRPr>
+                    </a:p>
+                  </a:txBody>
+                  <a:tcPr marL="68580" marR="68580" marT="0" marB="0"/>
+                </a:tc>
+                <a:tc hMerge="1">
+                  <a:txBody>
+                    <a:bodyPr/>
+                    <a:lstStyle/>
+                    <a:p>
+                      <a:pPr>
+                        <a:lnSpc>
+                          <a:spcPct val="107000"/>
+                        </a:lnSpc>
+                        <a:spcAft>
+                          <a:spcPts val="800"/>
+                        </a:spcAft>
+                      </a:pPr>
+                      <a:endParaRPr lang="it-IT" sz="1100" dirty="0">
+                        <a:effectLst/>
+                        <a:latin typeface="Calibri" panose="020F0502020204030204" pitchFamily="34" charset="0"/>
+                        <a:ea typeface="Calibri" panose="020F0502020204030204" pitchFamily="34" charset="0"/>
+                        <a:cs typeface="Times New Roman" panose="02020603050405020304" pitchFamily="18" charset="0"/>
+                      </a:endParaRPr>
+                    </a:p>
+                  </a:txBody>
+                  <a:tcPr marL="68580" marR="68580" marT="0" marB="0"/>
+                </a:tc>
+                <a:extLst>
+                  <a:ext uri="{0D108BD9-81ED-4DB2-BD59-A6C34878D82A}">
+                    <a16:rowId xmlns:a16="http://schemas.microsoft.com/office/drawing/2014/main" val="11586956"/>
+                  </a:ext>
+                </a:extLst>
+              </a:tr>
+              <a:tr h="322490">
                 <a:tc>
                   <a:txBody>
                     <a:bodyPr/>
@@ -24645,12 +24927,12 @@
                         </a:spcAft>
                       </a:pPr>
                       <a:r>
-                        <a:rPr lang="en-GB" sz="800">
+                        <a:rPr lang="en-GB" sz="800" dirty="0">
                           <a:effectLst/>
                         </a:rPr>
                         <a:t>get users who cancelled the questionnaire</a:t>
                       </a:r>
-                      <a:endParaRPr lang="it-IT" sz="1100">
+                      <a:endParaRPr lang="it-IT" sz="1100" dirty="0">
                         <a:effectLst/>
                         <a:latin typeface="Calibri" panose="020F0502020204030204" pitchFamily="34" charset="0"/>
                         <a:ea typeface="Calibri" panose="020F0502020204030204" pitchFamily="34" charset="0"/>
@@ -24674,31 +24956,30 @@
                         </a:spcAft>
                       </a:pPr>
                       <a:r>
-                        <a:rPr lang="fr-FR" sz="800">
+                        <a:rPr lang="fr-FR" sz="800" dirty="0">
                           <a:effectLst/>
                         </a:rPr>
-                        <a:t>/admin/questionnaires/{id}/users</a:t>
+                        <a:t>/admin/questionnaires/{id}/</a:t>
                       </a:r>
-                      <a:endParaRPr lang="it-IT" sz="1100">
-                        <a:effectLst/>
-                      </a:endParaRPr>
-                    </a:p>
-                    <a:p>
-                      <a:pPr>
-                        <a:lnSpc>
-                          <a:spcPct val="107000"/>
-                        </a:lnSpc>
-                        <a:spcAft>
-                          <a:spcPts val="800"/>
-                        </a:spcAft>
-                      </a:pPr>
                       <a:r>
-                        <a:rPr lang="fr-FR" sz="800">
+                        <a:rPr lang="fr-FR" sz="800" dirty="0" err="1">
                           <a:effectLst/>
                         </a:rPr>
-                        <a:t>/cancelled</a:t>
+                        <a:t>users</a:t>
                       </a:r>
-                      <a:endParaRPr lang="it-IT" sz="1100">
+                      <a:r>
+                        <a:rPr lang="fr-FR" sz="800" dirty="0">
+                          <a:effectLst/>
+                        </a:rPr>
+                        <a:t>/</a:t>
+                      </a:r>
+                      <a:r>
+                        <a:rPr lang="fr-FR" sz="800" dirty="0" err="1">
+                          <a:effectLst/>
+                        </a:rPr>
+                        <a:t>cancelled</a:t>
+                      </a:r>
+                      <a:endParaRPr lang="it-IT" sz="1100" dirty="0">
                         <a:effectLst/>
                         <a:latin typeface="Calibri" panose="020F0502020204030204" pitchFamily="34" charset="0"/>
                         <a:ea typeface="Calibri" panose="020F0502020204030204" pitchFamily="34" charset="0"/>
@@ -24751,12 +25032,12 @@
                         </a:spcAft>
                       </a:pPr>
                       <a:r>
-                        <a:rPr lang="en-GB" sz="800">
+                        <a:rPr lang="en-GB" sz="800" dirty="0">
                           <a:effectLst/>
                         </a:rPr>
                         <a:t>-</a:t>
                       </a:r>
-                      <a:endParaRPr lang="it-IT" sz="1100">
+                      <a:endParaRPr lang="it-IT" sz="1100" dirty="0">
                         <a:effectLst/>
                         <a:latin typeface="Calibri" panose="020F0502020204030204" pitchFamily="34" charset="0"/>
                         <a:ea typeface="Calibri" panose="020F0502020204030204" pitchFamily="34" charset="0"/>
@@ -24780,12 +25061,24 @@
                         </a:spcAft>
                       </a:pPr>
                       <a:r>
-                        <a:rPr lang="en-GB" sz="800">
+                        <a:rPr lang="en-GB" sz="800" dirty="0">
                           <a:effectLst/>
                         </a:rPr>
-                        <a:t>List[userId, username, email]</a:t>
+                        <a:t>List[</a:t>
                       </a:r>
-                      <a:endParaRPr lang="it-IT" sz="1100">
+                      <a:r>
+                        <a:rPr lang="en-GB" sz="800" dirty="0" err="1">
+                          <a:effectLst/>
+                        </a:rPr>
+                        <a:t>userId</a:t>
+                      </a:r>
+                      <a:r>
+                        <a:rPr lang="en-GB" sz="800" dirty="0">
+                          <a:effectLst/>
+                        </a:rPr>
+                        <a:t>, username, email]</a:t>
+                      </a:r>
+                      <a:endParaRPr lang="it-IT" sz="1100" dirty="0">
                         <a:effectLst/>
                         <a:latin typeface="Calibri" panose="020F0502020204030204" pitchFamily="34" charset="0"/>
                         <a:ea typeface="Calibri" panose="020F0502020204030204" pitchFamily="34" charset="0"/>
@@ -24801,7 +25094,7 @@
                   </a:ext>
                 </a:extLst>
               </a:tr>
-              <a:tr h="623579">
+              <a:tr h="298704">
                 <a:tc>
                   <a:txBody>
                     <a:bodyPr/>
@@ -24816,12 +25109,12 @@
                         </a:spcAft>
                       </a:pPr>
                       <a:r>
-                        <a:rPr lang="en-GB" sz="800">
+                        <a:rPr lang="en-GB" sz="800" dirty="0">
                           <a:effectLst/>
                         </a:rPr>
                         <a:t>get users who submitted the questionnaire</a:t>
                       </a:r>
-                      <a:endParaRPr lang="it-IT" sz="1100">
+                      <a:endParaRPr lang="it-IT" sz="1100" dirty="0">
                         <a:effectLst/>
                         <a:latin typeface="Calibri" panose="020F0502020204030204" pitchFamily="34" charset="0"/>
                         <a:ea typeface="Calibri" panose="020F0502020204030204" pitchFamily="34" charset="0"/>
@@ -24845,31 +25138,24 @@
                         </a:spcAft>
                       </a:pPr>
                       <a:r>
-                        <a:rPr lang="fr-FR" sz="800">
+                        <a:rPr lang="fr-FR" sz="800" dirty="0">
                           <a:effectLst/>
                         </a:rPr>
-                        <a:t>/admin/questionnaires/{id}/users</a:t>
+                        <a:t>/admin/questionnaires/{id}/</a:t>
                       </a:r>
-                      <a:endParaRPr lang="it-IT" sz="1100">
-                        <a:effectLst/>
-                      </a:endParaRPr>
-                    </a:p>
-                    <a:p>
-                      <a:pPr>
-                        <a:lnSpc>
-                          <a:spcPct val="107000"/>
-                        </a:lnSpc>
-                        <a:spcAft>
-                          <a:spcPts val="800"/>
-                        </a:spcAft>
-                      </a:pPr>
                       <a:r>
-                        <a:rPr lang="fr-FR" sz="800">
+                        <a:rPr lang="fr-FR" sz="800" dirty="0" err="1">
+                          <a:effectLst/>
+                        </a:rPr>
+                        <a:t>users</a:t>
+                      </a:r>
+                      <a:r>
+                        <a:rPr lang="fr-FR" sz="800" dirty="0">
                           <a:effectLst/>
                         </a:rPr>
                         <a:t>/sent</a:t>
                       </a:r>
-                      <a:endParaRPr lang="it-IT" sz="1100">
+                      <a:endParaRPr lang="it-IT" sz="1100" dirty="0">
                         <a:effectLst/>
                         <a:latin typeface="Calibri" panose="020F0502020204030204" pitchFamily="34" charset="0"/>
                         <a:ea typeface="Calibri" panose="020F0502020204030204" pitchFamily="34" charset="0"/>
@@ -24893,12 +25179,12 @@
                         </a:spcAft>
                       </a:pPr>
                       <a:r>
-                        <a:rPr lang="en-GB" sz="800">
+                        <a:rPr lang="en-GB" sz="800" dirty="0">
                           <a:effectLst/>
                         </a:rPr>
                         <a:t>GET</a:t>
                       </a:r>
-                      <a:endParaRPr lang="it-IT" sz="1100">
+                      <a:endParaRPr lang="it-IT" sz="1100" dirty="0">
                         <a:effectLst/>
                         <a:latin typeface="Calibri" panose="020F0502020204030204" pitchFamily="34" charset="0"/>
                         <a:ea typeface="Calibri" panose="020F0502020204030204" pitchFamily="34" charset="0"/>
@@ -25071,7 +25357,114 @@
           <a:bodyPr/>
           <a:lstStyle/>
           <a:p>
-            <a:endParaRPr lang="it-IT" dirty="0"/>
+            <a:r>
+              <a:rPr lang="it-IT" dirty="0" err="1"/>
+              <a:t>Authorization</a:t>
+            </a:r>
+            <a:r>
+              <a:rPr lang="it-IT" dirty="0"/>
+              <a:t> and </a:t>
+            </a:r>
+            <a:r>
+              <a:rPr lang="it-IT" dirty="0" err="1"/>
+              <a:t>roles</a:t>
+            </a:r>
+            <a:r>
+              <a:rPr lang="it-IT" dirty="0"/>
+              <a:t> are </a:t>
+            </a:r>
+            <a:r>
+              <a:rPr lang="it-IT" dirty="0" err="1"/>
+              <a:t>managed</a:t>
+            </a:r>
+            <a:r>
+              <a:rPr lang="it-IT" dirty="0"/>
+              <a:t> with JWT </a:t>
+            </a:r>
+          </a:p>
+          <a:p>
+            <a:r>
+              <a:rPr lang="it-IT" dirty="0"/>
+              <a:t>Authentication &amp; </a:t>
+            </a:r>
+            <a:r>
+              <a:rPr lang="it-IT" dirty="0" err="1"/>
+              <a:t>authorization</a:t>
+            </a:r>
+            <a:r>
+              <a:rPr lang="it-IT" dirty="0"/>
+              <a:t> </a:t>
+            </a:r>
+            <a:r>
+              <a:rPr lang="it-IT" dirty="0" err="1"/>
+              <a:t>methods</a:t>
+            </a:r>
+            <a:r>
+              <a:rPr lang="it-IT" dirty="0"/>
+              <a:t> are </a:t>
+            </a:r>
+            <a:r>
+              <a:rPr lang="it-IT" dirty="0" err="1"/>
+              <a:t>configured</a:t>
+            </a:r>
+            <a:r>
+              <a:rPr lang="it-IT" dirty="0"/>
+              <a:t> by </a:t>
+            </a:r>
+            <a:r>
+              <a:rPr lang="it-IT" dirty="0" err="1"/>
+              <a:t>extending</a:t>
+            </a:r>
+            <a:r>
+              <a:rPr lang="it-IT" dirty="0"/>
+              <a:t> an </a:t>
+            </a:r>
+            <a:r>
+              <a:rPr lang="it-IT" dirty="0" err="1"/>
+              <a:t>highly</a:t>
+            </a:r>
+            <a:r>
+              <a:rPr lang="it-IT" dirty="0"/>
+              <a:t> </a:t>
+            </a:r>
+            <a:r>
+              <a:rPr lang="it-IT" dirty="0" err="1"/>
+              <a:t>customizable</a:t>
+            </a:r>
+            <a:r>
+              <a:rPr lang="it-IT" dirty="0"/>
+              <a:t> class </a:t>
+            </a:r>
+            <a:r>
+              <a:rPr lang="it-IT" dirty="0" err="1"/>
+              <a:t>supplied</a:t>
+            </a:r>
+            <a:r>
+              <a:rPr lang="it-IT" dirty="0"/>
+              <a:t> by Spring Security </a:t>
+            </a:r>
+          </a:p>
+          <a:p>
+            <a:r>
+              <a:rPr lang="it-IT" dirty="0"/>
+              <a:t>Tokens are </a:t>
+            </a:r>
+            <a:r>
+              <a:rPr lang="it-IT" dirty="0" err="1"/>
+              <a:t>generated</a:t>
+            </a:r>
+            <a:r>
+              <a:rPr lang="it-IT" dirty="0"/>
+              <a:t> and </a:t>
+            </a:r>
+            <a:r>
+              <a:rPr lang="it-IT" dirty="0" err="1"/>
+              <a:t>validated</a:t>
+            </a:r>
+            <a:r>
+              <a:rPr lang="it-IT" dirty="0"/>
+              <a:t> by filters</a:t>
+            </a:r>
           </a:p>
         </p:txBody>
       </p:sp>
@@ -25079,6 +25472,185 @@
     <p:extLst>
       <p:ext uri="{BB962C8B-B14F-4D97-AF65-F5344CB8AC3E}">
         <p14:creationId xmlns:p14="http://schemas.microsoft.com/office/powerpoint/2010/main" val="2699570698"/>
+      </p:ext>
+    </p:extLst>
+  </p:cSld>
+  <p:clrMapOvr>
+    <a:masterClrMapping/>
+  </p:clrMapOvr>
+</p:sld>
+</file>
+
+<file path=ppt/slides/slide55.xml><?xml version="1.0" encoding="utf-8"?>
+<p:sld xmlns:a="http://schemas.openxmlformats.org/drawingml/2006/main" xmlns:r="http://schemas.openxmlformats.org/officeDocument/2006/relationships" xmlns:p="http://schemas.openxmlformats.org/presentationml/2006/main">
+  <p:cSld>
+    <p:spTree>
+      <p:nvGrpSpPr>
+        <p:cNvPr id="1" name=""/>
+        <p:cNvGrpSpPr/>
+        <p:nvPr/>
+      </p:nvGrpSpPr>
+      <p:grpSpPr>
+        <a:xfrm>
+          <a:off x="0" y="0"/>
+          <a:ext cx="0" cy="0"/>
+          <a:chOff x="0" y="0"/>
+          <a:chExt cx="0" cy="0"/>
+        </a:xfrm>
+      </p:grpSpPr>
+      <p:sp>
+        <p:nvSpPr>
+          <p:cNvPr id="2" name="Titolo 1">
+            <a:extLst>
+              <a:ext uri="{FF2B5EF4-FFF2-40B4-BE49-F238E27FC236}">
+                <a16:creationId xmlns:a16="http://schemas.microsoft.com/office/drawing/2014/main" id="{D84EF039-C76D-46DB-AC0D-28EF1A4E139E}"/>
+              </a:ext>
+            </a:extLst>
+          </p:cNvPr>
+          <p:cNvSpPr>
+            <a:spLocks noGrp="1"/>
+          </p:cNvSpPr>
+          <p:nvPr>
+            <p:ph type="title"/>
+          </p:nvPr>
+        </p:nvSpPr>
+        <p:spPr/>
+        <p:txBody>
+          <a:bodyPr/>
+          <a:lstStyle/>
+          <a:p>
+            <a:r>
+              <a:rPr lang="it-IT" dirty="0" err="1"/>
+              <a:t>Exception</a:t>
+            </a:r>
+            <a:r>
+              <a:rPr lang="it-IT" dirty="0"/>
+              <a:t> Handling</a:t>
+            </a:r>
+          </a:p>
+        </p:txBody>
+      </p:sp>
+      <p:sp>
+        <p:nvSpPr>
+          <p:cNvPr id="3" name="Segnaposto contenuto 2">
+            <a:extLst>
+              <a:ext uri="{FF2B5EF4-FFF2-40B4-BE49-F238E27FC236}">
+                <a16:creationId xmlns:a16="http://schemas.microsoft.com/office/drawing/2014/main" id="{2A2D3AD8-830F-41A7-99FE-5429462AFE23}"/>
+              </a:ext>
+            </a:extLst>
+          </p:cNvPr>
+          <p:cNvSpPr>
+            <a:spLocks noGrp="1"/>
+          </p:cNvSpPr>
+          <p:nvPr>
+            <p:ph idx="1"/>
+          </p:nvPr>
+        </p:nvSpPr>
+        <p:spPr/>
+        <p:txBody>
+          <a:bodyPr/>
+          <a:lstStyle/>
+          <a:p>
+            <a:r>
+              <a:rPr lang="it-IT" dirty="0" err="1"/>
+              <a:t>Exeptions</a:t>
+            </a:r>
+            <a:r>
+              <a:rPr lang="it-IT" dirty="0"/>
+              <a:t> are </a:t>
+            </a:r>
+            <a:r>
+              <a:rPr lang="it-IT" dirty="0" err="1"/>
+              <a:t>handled</a:t>
+            </a:r>
+            <a:r>
+              <a:rPr lang="it-IT" dirty="0"/>
+              <a:t> by a </a:t>
+            </a:r>
+            <a:r>
+              <a:rPr lang="it-IT" dirty="0" err="1"/>
+              <a:t>dedicated</a:t>
+            </a:r>
+            <a:r>
+              <a:rPr lang="it-IT" dirty="0"/>
+              <a:t> class </a:t>
+            </a:r>
+            <a:r>
+              <a:rPr lang="it-IT" dirty="0" err="1"/>
+              <a:t>annotated</a:t>
+            </a:r>
+            <a:r>
+              <a:rPr lang="it-IT" dirty="0"/>
+              <a:t> with @RestControllerAdvice, to </a:t>
+            </a:r>
+            <a:r>
+              <a:rPr lang="it-IT" dirty="0" err="1"/>
+              <a:t>which</a:t>
+            </a:r>
+            <a:r>
+              <a:rPr lang="it-IT" dirty="0"/>
+              <a:t> </a:t>
+            </a:r>
+            <a:r>
+              <a:rPr lang="it-IT" dirty="0" err="1"/>
+              <a:t>all</a:t>
+            </a:r>
+            <a:r>
+              <a:rPr lang="it-IT" dirty="0"/>
+              <a:t> </a:t>
+            </a:r>
+            <a:r>
+              <a:rPr lang="it-IT" dirty="0" err="1"/>
+              <a:t>exeptions</a:t>
+            </a:r>
+            <a:r>
+              <a:rPr lang="it-IT" dirty="0"/>
+              <a:t> are </a:t>
+            </a:r>
+            <a:r>
+              <a:rPr lang="it-IT" dirty="0" err="1"/>
+              <a:t>automatically</a:t>
+            </a:r>
+            <a:r>
+              <a:rPr lang="it-IT" dirty="0"/>
+              <a:t> </a:t>
+            </a:r>
+            <a:r>
+              <a:rPr lang="it-IT" dirty="0" err="1"/>
+              <a:t>routed</a:t>
+            </a:r>
+            <a:r>
+              <a:rPr lang="it-IT" dirty="0"/>
+              <a:t> to </a:t>
+            </a:r>
+            <a:r>
+              <a:rPr lang="it-IT" dirty="0" err="1"/>
+              <a:t>when</a:t>
+            </a:r>
+            <a:r>
+              <a:rPr lang="it-IT" dirty="0"/>
+              <a:t> </a:t>
+            </a:r>
+            <a:r>
+              <a:rPr lang="it-IT" dirty="0" err="1"/>
+              <a:t>thrown</a:t>
+            </a:r>
+            <a:r>
+              <a:rPr lang="it-IT" dirty="0"/>
+              <a:t> inside the </a:t>
+            </a:r>
+            <a:r>
+              <a:rPr lang="it-IT" dirty="0" err="1"/>
+              <a:t>application</a:t>
+            </a:r>
+            <a:endParaRPr lang="it-IT" dirty="0"/>
+          </a:p>
+        </p:txBody>
+      </p:sp>
+    </p:spTree>
+    <p:extLst>
+      <p:ext uri="{BB962C8B-B14F-4D97-AF65-F5344CB8AC3E}">
+        <p14:creationId xmlns:p14="http://schemas.microsoft.com/office/powerpoint/2010/main" val="3361820948"/>
       </p:ext>
     </p:extLst>
   </p:cSld>
